--- a/Leaver.pptx
+++ b/Leaver.pptx
@@ -5,7 +5,7 @@
     <p:sldMasterId id="2147483659" r:id="rId1"/>
   </p:sldMasterIdLst>
   <p:notesMasterIdLst>
-    <p:notesMasterId r:id="rId21"/>
+    <p:notesMasterId r:id="rId19"/>
   </p:notesMasterIdLst>
   <p:sldIdLst>
     <p:sldId id="256" r:id="rId2"/>
@@ -19,48 +19,41 @@
     <p:sldId id="296" r:id="rId10"/>
     <p:sldId id="271" r:id="rId11"/>
     <p:sldId id="297" r:id="rId12"/>
-    <p:sldId id="288" r:id="rId13"/>
-    <p:sldId id="289" r:id="rId14"/>
-    <p:sldId id="278" r:id="rId15"/>
-    <p:sldId id="292" r:id="rId16"/>
-    <p:sldId id="293" r:id="rId17"/>
-    <p:sldId id="294" r:id="rId18"/>
-    <p:sldId id="295" r:id="rId19"/>
-    <p:sldId id="279" r:id="rId20"/>
+    <p:sldId id="289" r:id="rId13"/>
+    <p:sldId id="278" r:id="rId14"/>
+    <p:sldId id="292" r:id="rId15"/>
+    <p:sldId id="293" r:id="rId16"/>
+    <p:sldId id="294" r:id="rId17"/>
+    <p:sldId id="279" r:id="rId18"/>
   </p:sldIdLst>
   <p:sldSz cx="9144000" cy="5143500" type="screen16x9"/>
   <p:notesSz cx="6858000" cy="9144000"/>
   <p:embeddedFontLst>
     <p:embeddedFont>
-      <p:font typeface="Barlow" panose="020B0604020202020204" charset="0"/>
-      <p:regular r:id="rId22"/>
-      <p:bold r:id="rId23"/>
-      <p:italic r:id="rId24"/>
-      <p:boldItalic r:id="rId25"/>
+      <p:font typeface="Barlow Light" panose="020B0604020202020204" charset="0"/>
+      <p:regular r:id="rId20"/>
+      <p:bold r:id="rId21"/>
+      <p:italic r:id="rId22"/>
+      <p:boldItalic r:id="rId23"/>
     </p:embeddedFont>
     <p:embeddedFont>
-      <p:font typeface="Barlow Light" panose="020B0604020202020204" charset="0"/>
+      <p:font typeface="Miriam Libre" panose="020B0604020202020204" charset="-79"/>
+      <p:regular r:id="rId24"/>
+      <p:bold r:id="rId25"/>
+    </p:embeddedFont>
+    <p:embeddedFont>
+      <p:font typeface="Calibri" panose="020F0502020204030204" pitchFamily="34" charset="0"/>
       <p:regular r:id="rId26"/>
       <p:bold r:id="rId27"/>
       <p:italic r:id="rId28"/>
       <p:boldItalic r:id="rId29"/>
     </p:embeddedFont>
     <p:embeddedFont>
-      <p:font typeface="Calibri" panose="020F0502020204030204" pitchFamily="34" charset="0"/>
+      <p:font typeface="Barlow" panose="020B0604020202020204" charset="0"/>
       <p:regular r:id="rId30"/>
       <p:bold r:id="rId31"/>
       <p:italic r:id="rId32"/>
       <p:boldItalic r:id="rId33"/>
-    </p:embeddedFont>
-    <p:embeddedFont>
-      <p:font typeface="Futura Bk BT" panose="020B0502020204020303" pitchFamily="34" charset="0"/>
-      <p:regular r:id="rId34"/>
-      <p:italic r:id="rId35"/>
-    </p:embeddedFont>
-    <p:embeddedFont>
-      <p:font typeface="Miriam Libre" panose="020B0604020202020204" charset="-79"/>
-      <p:regular r:id="rId36"/>
-      <p:bold r:id="rId37"/>
     </p:embeddedFont>
   </p:embeddedFontLst>
   <p:defaultTextStyle>
@@ -1063,7 +1056,7 @@
   <p:cSld>
     <p:spTree>
       <p:nvGrpSpPr>
-        <p:cNvPr id="1" name="Shape 264"/>
+        <p:cNvPr id="1" name="Shape 471"/>
         <p:cNvGrpSpPr/>
         <p:nvPr/>
       </p:nvGrpSpPr>
@@ -1077,7 +1070,7 @@
       </p:grpSpPr>
       <p:sp>
         <p:nvSpPr>
-          <p:cNvPr id="265" name="Google Shape;265;g35f391192_029:notes"/>
+          <p:cNvPr id="472" name="Google Shape;472;g35ed75ccf_0113:notes"/>
           <p:cNvSpPr>
             <a:spLocks noGrp="1" noRot="1" noChangeAspect="1"/>
           </p:cNvSpPr>
@@ -1118,7 +1111,7 @@
       </p:sp>
       <p:sp>
         <p:nvSpPr>
-          <p:cNvPr id="266" name="Google Shape;266;g35f391192_029:notes"/>
+          <p:cNvPr id="473" name="Google Shape;473;g35ed75ccf_0113:notes"/>
           <p:cNvSpPr txBox="1">
             <a:spLocks noGrp="1"/>
           </p:cNvSpPr>
@@ -1157,7 +1150,7 @@
     </p:spTree>
     <p:extLst>
       <p:ext uri="{BB962C8B-B14F-4D97-AF65-F5344CB8AC3E}">
-        <p14:creationId xmlns:p14="http://schemas.microsoft.com/office/powerpoint/2010/main" val="2568586847"/>
+        <p14:creationId xmlns:p14="http://schemas.microsoft.com/office/powerpoint/2010/main" val="609029885"/>
       </p:ext>
     </p:extLst>
   </p:cSld>
@@ -1264,11 +1257,6 @@
         </p:txBody>
       </p:sp>
     </p:spTree>
-    <p:extLst>
-      <p:ext uri="{BB962C8B-B14F-4D97-AF65-F5344CB8AC3E}">
-        <p14:creationId xmlns:p14="http://schemas.microsoft.com/office/powerpoint/2010/main" val="609029885"/>
-      </p:ext>
-    </p:extLst>
   </p:cSld>
   <p:clrMapOvr>
     <a:masterClrMapping/>
@@ -1373,6 +1361,11 @@
         </p:txBody>
       </p:sp>
     </p:spTree>
+    <p:extLst>
+      <p:ext uri="{BB962C8B-B14F-4D97-AF65-F5344CB8AC3E}">
+        <p14:creationId xmlns:p14="http://schemas.microsoft.com/office/powerpoint/2010/main" val="983782969"/>
+      </p:ext>
+    </p:extLst>
   </p:cSld>
   <p:clrMapOvr>
     <a:masterClrMapping/>
@@ -1479,7 +1472,7 @@
     </p:spTree>
     <p:extLst>
       <p:ext uri="{BB962C8B-B14F-4D97-AF65-F5344CB8AC3E}">
-        <p14:creationId xmlns:p14="http://schemas.microsoft.com/office/powerpoint/2010/main" val="983782969"/>
+        <p14:creationId xmlns:p14="http://schemas.microsoft.com/office/powerpoint/2010/main" val="1823577681"/>
       </p:ext>
     </p:extLst>
   </p:cSld>
@@ -1588,7 +1581,7 @@
     </p:spTree>
     <p:extLst>
       <p:ext uri="{BB962C8B-B14F-4D97-AF65-F5344CB8AC3E}">
-        <p14:creationId xmlns:p14="http://schemas.microsoft.com/office/powerpoint/2010/main" val="1823577681"/>
+        <p14:creationId xmlns:p14="http://schemas.microsoft.com/office/powerpoint/2010/main" val="3789057145"/>
       </p:ext>
     </p:extLst>
   </p:cSld>
@@ -1599,224 +1592,6 @@
 </file>
 
 <file path=ppt/notesSlides/notesSlide17.xml><?xml version="1.0" encoding="utf-8"?>
-<p:notes xmlns:a="http://schemas.openxmlformats.org/drawingml/2006/main" xmlns:r="http://schemas.openxmlformats.org/officeDocument/2006/relationships" xmlns:p="http://schemas.openxmlformats.org/presentationml/2006/main" showMasterSp="0" showMasterPhAnim="0">
-  <p:cSld>
-    <p:spTree>
-      <p:nvGrpSpPr>
-        <p:cNvPr id="1" name="Shape 471"/>
-        <p:cNvGrpSpPr/>
-        <p:nvPr/>
-      </p:nvGrpSpPr>
-      <p:grpSpPr>
-        <a:xfrm>
-          <a:off x="0" y="0"/>
-          <a:ext cx="0" cy="0"/>
-          <a:chOff x="0" y="0"/>
-          <a:chExt cx="0" cy="0"/>
-        </a:xfrm>
-      </p:grpSpPr>
-      <p:sp>
-        <p:nvSpPr>
-          <p:cNvPr id="472" name="Google Shape;472;g35ed75ccf_0113:notes"/>
-          <p:cNvSpPr>
-            <a:spLocks noGrp="1" noRot="1" noChangeAspect="1"/>
-          </p:cNvSpPr>
-          <p:nvPr>
-            <p:ph type="sldImg" idx="2"/>
-          </p:nvPr>
-        </p:nvSpPr>
-        <p:spPr>
-          <a:xfrm>
-            <a:off x="381000" y="685800"/>
-            <a:ext cx="6096000" cy="3429000"/>
-          </a:xfrm>
-          <a:custGeom>
-            <a:avLst/>
-            <a:gdLst/>
-            <a:ahLst/>
-            <a:cxnLst/>
-            <a:rect l="l" t="t" r="r" b="b"/>
-            <a:pathLst>
-              <a:path w="120000" h="120000" extrusionOk="0">
-                <a:moveTo>
-                  <a:pt x="0" y="0"/>
-                </a:moveTo>
-                <a:lnTo>
-                  <a:pt x="120000" y="0"/>
-                </a:lnTo>
-                <a:lnTo>
-                  <a:pt x="120000" y="120000"/>
-                </a:lnTo>
-                <a:lnTo>
-                  <a:pt x="0" y="120000"/>
-                </a:lnTo>
-                <a:close/>
-              </a:path>
-            </a:pathLst>
-          </a:custGeom>
-        </p:spPr>
-      </p:sp>
-      <p:sp>
-        <p:nvSpPr>
-          <p:cNvPr id="473" name="Google Shape;473;g35ed75ccf_0113:notes"/>
-          <p:cNvSpPr txBox="1">
-            <a:spLocks noGrp="1"/>
-          </p:cNvSpPr>
-          <p:nvPr>
-            <p:ph type="body" idx="1"/>
-          </p:nvPr>
-        </p:nvSpPr>
-        <p:spPr>
-          <a:xfrm>
-            <a:off x="685800" y="4343400"/>
-            <a:ext cx="5486400" cy="4114800"/>
-          </a:xfrm>
-          <a:prstGeom prst="rect">
-            <a:avLst/>
-          </a:prstGeom>
-        </p:spPr>
-        <p:txBody>
-          <a:bodyPr spcFirstLastPara="1" wrap="square" lIns="91425" tIns="91425" rIns="91425" bIns="91425" anchor="t" anchorCtr="0">
-            <a:noAutofit/>
-          </a:bodyPr>
-          <a:lstStyle/>
-          <a:p>
-            <a:pPr marL="0" lvl="0" indent="0" algn="l" rtl="0">
-              <a:spcBef>
-                <a:spcPts val="0"/>
-              </a:spcBef>
-              <a:spcAft>
-                <a:spcPts val="0"/>
-              </a:spcAft>
-              <a:buNone/>
-            </a:pPr>
-            <a:endParaRPr/>
-          </a:p>
-        </p:txBody>
-      </p:sp>
-    </p:spTree>
-    <p:extLst>
-      <p:ext uri="{BB962C8B-B14F-4D97-AF65-F5344CB8AC3E}">
-        <p14:creationId xmlns:p14="http://schemas.microsoft.com/office/powerpoint/2010/main" val="3789057145"/>
-      </p:ext>
-    </p:extLst>
-  </p:cSld>
-  <p:clrMapOvr>
-    <a:masterClrMapping/>
-  </p:clrMapOvr>
-</p:notes>
-</file>
-
-<file path=ppt/notesSlides/notesSlide18.xml><?xml version="1.0" encoding="utf-8"?>
-<p:notes xmlns:a="http://schemas.openxmlformats.org/drawingml/2006/main" xmlns:r="http://schemas.openxmlformats.org/officeDocument/2006/relationships" xmlns:p="http://schemas.openxmlformats.org/presentationml/2006/main" showMasterSp="0" showMasterPhAnim="0">
-  <p:cSld>
-    <p:spTree>
-      <p:nvGrpSpPr>
-        <p:cNvPr id="1" name="Shape 471"/>
-        <p:cNvGrpSpPr/>
-        <p:nvPr/>
-      </p:nvGrpSpPr>
-      <p:grpSpPr>
-        <a:xfrm>
-          <a:off x="0" y="0"/>
-          <a:ext cx="0" cy="0"/>
-          <a:chOff x="0" y="0"/>
-          <a:chExt cx="0" cy="0"/>
-        </a:xfrm>
-      </p:grpSpPr>
-      <p:sp>
-        <p:nvSpPr>
-          <p:cNvPr id="472" name="Google Shape;472;g35ed75ccf_0113:notes"/>
-          <p:cNvSpPr>
-            <a:spLocks noGrp="1" noRot="1" noChangeAspect="1"/>
-          </p:cNvSpPr>
-          <p:nvPr>
-            <p:ph type="sldImg" idx="2"/>
-          </p:nvPr>
-        </p:nvSpPr>
-        <p:spPr>
-          <a:xfrm>
-            <a:off x="381000" y="685800"/>
-            <a:ext cx="6096000" cy="3429000"/>
-          </a:xfrm>
-          <a:custGeom>
-            <a:avLst/>
-            <a:gdLst/>
-            <a:ahLst/>
-            <a:cxnLst/>
-            <a:rect l="l" t="t" r="r" b="b"/>
-            <a:pathLst>
-              <a:path w="120000" h="120000" extrusionOk="0">
-                <a:moveTo>
-                  <a:pt x="0" y="0"/>
-                </a:moveTo>
-                <a:lnTo>
-                  <a:pt x="120000" y="0"/>
-                </a:lnTo>
-                <a:lnTo>
-                  <a:pt x="120000" y="120000"/>
-                </a:lnTo>
-                <a:lnTo>
-                  <a:pt x="0" y="120000"/>
-                </a:lnTo>
-                <a:close/>
-              </a:path>
-            </a:pathLst>
-          </a:custGeom>
-        </p:spPr>
-      </p:sp>
-      <p:sp>
-        <p:nvSpPr>
-          <p:cNvPr id="473" name="Google Shape;473;g35ed75ccf_0113:notes"/>
-          <p:cNvSpPr txBox="1">
-            <a:spLocks noGrp="1"/>
-          </p:cNvSpPr>
-          <p:nvPr>
-            <p:ph type="body" idx="1"/>
-          </p:nvPr>
-        </p:nvSpPr>
-        <p:spPr>
-          <a:xfrm>
-            <a:off x="685800" y="4343400"/>
-            <a:ext cx="5486400" cy="4114800"/>
-          </a:xfrm>
-          <a:prstGeom prst="rect">
-            <a:avLst/>
-          </a:prstGeom>
-        </p:spPr>
-        <p:txBody>
-          <a:bodyPr spcFirstLastPara="1" wrap="square" lIns="91425" tIns="91425" rIns="91425" bIns="91425" anchor="t" anchorCtr="0">
-            <a:noAutofit/>
-          </a:bodyPr>
-          <a:lstStyle/>
-          <a:p>
-            <a:pPr marL="0" lvl="0" indent="0" algn="l" rtl="0">
-              <a:spcBef>
-                <a:spcPts val="0"/>
-              </a:spcBef>
-              <a:spcAft>
-                <a:spcPts val="0"/>
-              </a:spcAft>
-              <a:buNone/>
-            </a:pPr>
-            <a:endParaRPr/>
-          </a:p>
-        </p:txBody>
-      </p:sp>
-    </p:spTree>
-    <p:extLst>
-      <p:ext uri="{BB962C8B-B14F-4D97-AF65-F5344CB8AC3E}">
-        <p14:creationId xmlns:p14="http://schemas.microsoft.com/office/powerpoint/2010/main" val="1492125911"/>
-      </p:ext>
-    </p:extLst>
-  </p:cSld>
-  <p:clrMapOvr>
-    <a:masterClrMapping/>
-  </p:clrMapOvr>
-</p:notes>
-</file>
-
-<file path=ppt/notesSlides/notesSlide19.xml><?xml version="1.0" encoding="utf-8"?>
 <p:notes xmlns:a="http://schemas.openxmlformats.org/drawingml/2006/main" xmlns:r="http://schemas.openxmlformats.org/officeDocument/2006/relationships" xmlns:p="http://schemas.openxmlformats.org/presentationml/2006/main" showMasterSp="0" showMasterPhAnim="0">
   <p:cSld>
     <p:spTree>
@@ -17685,86 +17460,6 @@
   <p:cSld>
     <p:spTree>
       <p:nvGrpSpPr>
-        <p:cNvPr id="1" name="Shape 267"/>
-        <p:cNvGrpSpPr/>
-        <p:nvPr/>
-      </p:nvGrpSpPr>
-      <p:grpSpPr>
-        <a:xfrm>
-          <a:off x="0" y="0"/>
-          <a:ext cx="0" cy="0"/>
-          <a:chOff x="0" y="0"/>
-          <a:chExt cx="0" cy="0"/>
-        </a:xfrm>
-      </p:grpSpPr>
-      <p:sp>
-        <p:nvSpPr>
-          <p:cNvPr id="268" name="Google Shape;268;p17"/>
-          <p:cNvSpPr txBox="1">
-            <a:spLocks noGrp="1"/>
-          </p:cNvSpPr>
-          <p:nvPr>
-            <p:ph type="ctrTitle"/>
-          </p:nvPr>
-        </p:nvSpPr>
-        <p:spPr>
-          <a:xfrm>
-            <a:off x="2626350" y="1888150"/>
-            <a:ext cx="3891300" cy="1159800"/>
-          </a:xfrm>
-          <a:prstGeom prst="rect">
-            <a:avLst/>
-          </a:prstGeom>
-        </p:spPr>
-        <p:txBody>
-          <a:bodyPr spcFirstLastPara="1" wrap="square" lIns="91425" tIns="91425" rIns="91425" bIns="91425" anchor="b" anchorCtr="0">
-            <a:noAutofit/>
-          </a:bodyPr>
-          <a:lstStyle/>
-          <a:p>
-            <a:pPr marL="0" lvl="0" indent="0" algn="ctr" rtl="0">
-              <a:spcBef>
-                <a:spcPts val="0"/>
-              </a:spcBef>
-              <a:spcAft>
-                <a:spcPts val="0"/>
-              </a:spcAft>
-              <a:buNone/>
-            </a:pPr>
-            <a:r>
-              <a:rPr lang="en-ID" dirty="0" err="1"/>
-              <a:t>Desain</a:t>
-            </a:r>
-            <a:r>
-              <a:rPr lang="en-ID" dirty="0"/>
-              <a:t> </a:t>
-            </a:r>
-            <a:r>
-              <a:rPr lang="en-ID" dirty="0" err="1"/>
-              <a:t>Mockup</a:t>
-            </a:r>
-            <a:endParaRPr dirty="0"/>
-          </a:p>
-        </p:txBody>
-      </p:sp>
-    </p:spTree>
-    <p:extLst>
-      <p:ext uri="{BB962C8B-B14F-4D97-AF65-F5344CB8AC3E}">
-        <p14:creationId xmlns:p14="http://schemas.microsoft.com/office/powerpoint/2010/main" val="1229159349"/>
-      </p:ext>
-    </p:extLst>
-  </p:cSld>
-  <p:clrMapOvr>
-    <a:masterClrMapping/>
-  </p:clrMapOvr>
-</p:sld>
-</file>
-
-<file path=ppt/slides/slide13.xml><?xml version="1.0" encoding="utf-8"?>
-<p:sld xmlns:a="http://schemas.openxmlformats.org/drawingml/2006/main" xmlns:r="http://schemas.openxmlformats.org/officeDocument/2006/relationships" xmlns:p="http://schemas.openxmlformats.org/presentationml/2006/main">
-  <p:cSld>
-    <p:spTree>
-      <p:nvGrpSpPr>
         <p:cNvPr id="1" name="Shape 474"/>
         <p:cNvGrpSpPr/>
         <p:nvPr/>
@@ -18310,7 +18005,7 @@
             </a:pPr>
             <a:fld id="{00000000-1234-1234-1234-123412341234}" type="slidenum">
               <a:rPr lang="en"/>
-              <a:t>13</a:t>
+              <a:t>12</a:t>
             </a:fld>
             <a:endParaRPr/>
           </a:p>
@@ -18490,7 +18185,7 @@
 </p:sld>
 </file>
 
-<file path=ppt/slides/slide14.xml><?xml version="1.0" encoding="utf-8"?>
+<file path=ppt/slides/slide13.xml><?xml version="1.0" encoding="utf-8"?>
 <p:sld xmlns:a="http://schemas.openxmlformats.org/drawingml/2006/main" xmlns:r="http://schemas.openxmlformats.org/officeDocument/2006/relationships" xmlns:p="http://schemas.openxmlformats.org/presentationml/2006/main">
   <p:cSld>
     <p:spTree>
@@ -19040,7 +18735,7 @@
             </a:pPr>
             <a:fld id="{00000000-1234-1234-1234-123412341234}" type="slidenum">
               <a:rPr lang="en"/>
-              <a:t>14</a:t>
+              <a:t>13</a:t>
             </a:fld>
             <a:endParaRPr/>
           </a:p>
@@ -19192,7 +18887,7 @@
 </p:sld>
 </file>
 
-<file path=ppt/slides/slide15.xml><?xml version="1.0" encoding="utf-8"?>
+<file path=ppt/slides/slide14.xml><?xml version="1.0" encoding="utf-8"?>
 <p:sld xmlns:a="http://schemas.openxmlformats.org/drawingml/2006/main" xmlns:r="http://schemas.openxmlformats.org/officeDocument/2006/relationships" xmlns:p="http://schemas.openxmlformats.org/presentationml/2006/main">
   <p:cSld>
     <p:spTree>
@@ -19742,7 +19437,7 @@
             </a:pPr>
             <a:fld id="{00000000-1234-1234-1234-123412341234}" type="slidenum">
               <a:rPr lang="en"/>
-              <a:t>15</a:t>
+              <a:t>14</a:t>
             </a:fld>
             <a:endParaRPr/>
           </a:p>
@@ -19899,6 +19594,844 @@
 </p:sld>
 </file>
 
+<file path=ppt/slides/slide15.xml><?xml version="1.0" encoding="utf-8"?>
+<p:sld xmlns:a="http://schemas.openxmlformats.org/drawingml/2006/main" xmlns:r="http://schemas.openxmlformats.org/officeDocument/2006/relationships" xmlns:p="http://schemas.openxmlformats.org/presentationml/2006/main">
+  <p:cSld>
+    <p:spTree>
+      <p:nvGrpSpPr>
+        <p:cNvPr id="1" name="Shape 474"/>
+        <p:cNvGrpSpPr/>
+        <p:nvPr/>
+      </p:nvGrpSpPr>
+      <p:grpSpPr>
+        <a:xfrm>
+          <a:off x="0" y="0"/>
+          <a:ext cx="0" cy="0"/>
+          <a:chOff x="0" y="0"/>
+          <a:chExt cx="0" cy="0"/>
+        </a:xfrm>
+      </p:grpSpPr>
+      <p:sp>
+        <p:nvSpPr>
+          <p:cNvPr id="475" name="Google Shape;475;p35"/>
+          <p:cNvSpPr/>
+          <p:nvPr/>
+        </p:nvSpPr>
+        <p:spPr>
+          <a:xfrm>
+            <a:off x="3693400" y="725225"/>
+            <a:ext cx="4807549" cy="3742732"/>
+          </a:xfrm>
+          <a:custGeom>
+            <a:avLst/>
+            <a:gdLst/>
+            <a:ahLst/>
+            <a:cxnLst/>
+            <a:rect l="l" t="t" r="r" b="b"/>
+            <a:pathLst>
+              <a:path w="143434" h="111665" extrusionOk="0">
+                <a:moveTo>
+                  <a:pt x="71751" y="2308"/>
+                </a:moveTo>
+                <a:lnTo>
+                  <a:pt x="71887" y="2376"/>
+                </a:lnTo>
+                <a:lnTo>
+                  <a:pt x="72091" y="2444"/>
+                </a:lnTo>
+                <a:lnTo>
+                  <a:pt x="72159" y="2647"/>
+                </a:lnTo>
+                <a:lnTo>
+                  <a:pt x="72226" y="2783"/>
+                </a:lnTo>
+                <a:lnTo>
+                  <a:pt x="72159" y="2987"/>
+                </a:lnTo>
+                <a:lnTo>
+                  <a:pt x="72091" y="3190"/>
+                </a:lnTo>
+                <a:lnTo>
+                  <a:pt x="71887" y="3258"/>
+                </a:lnTo>
+                <a:lnTo>
+                  <a:pt x="71751" y="3326"/>
+                </a:lnTo>
+                <a:lnTo>
+                  <a:pt x="71548" y="3258"/>
+                </a:lnTo>
+                <a:lnTo>
+                  <a:pt x="71344" y="3190"/>
+                </a:lnTo>
+                <a:lnTo>
+                  <a:pt x="71276" y="2987"/>
+                </a:lnTo>
+                <a:lnTo>
+                  <a:pt x="71208" y="2783"/>
+                </a:lnTo>
+                <a:lnTo>
+                  <a:pt x="71276" y="2647"/>
+                </a:lnTo>
+                <a:lnTo>
+                  <a:pt x="71344" y="2444"/>
+                </a:lnTo>
+                <a:lnTo>
+                  <a:pt x="71548" y="2376"/>
+                </a:lnTo>
+                <a:lnTo>
+                  <a:pt x="71751" y="2308"/>
+                </a:lnTo>
+                <a:close/>
+                <a:moveTo>
+                  <a:pt x="137528" y="5906"/>
+                </a:moveTo>
+                <a:lnTo>
+                  <a:pt x="137596" y="5974"/>
+                </a:lnTo>
+                <a:lnTo>
+                  <a:pt x="137596" y="89604"/>
+                </a:lnTo>
+                <a:lnTo>
+                  <a:pt x="5906" y="89604"/>
+                </a:lnTo>
+                <a:lnTo>
+                  <a:pt x="5906" y="5974"/>
+                </a:lnTo>
+                <a:lnTo>
+                  <a:pt x="5906" y="5906"/>
+                </a:lnTo>
+                <a:close/>
+                <a:moveTo>
+                  <a:pt x="3530" y="0"/>
+                </a:moveTo>
+                <a:lnTo>
+                  <a:pt x="3191" y="68"/>
+                </a:lnTo>
+                <a:lnTo>
+                  <a:pt x="2444" y="339"/>
+                </a:lnTo>
+                <a:lnTo>
+                  <a:pt x="1766" y="679"/>
+                </a:lnTo>
+                <a:lnTo>
+                  <a:pt x="1155" y="1154"/>
+                </a:lnTo>
+                <a:lnTo>
+                  <a:pt x="679" y="1765"/>
+                </a:lnTo>
+                <a:lnTo>
+                  <a:pt x="272" y="2444"/>
+                </a:lnTo>
+                <a:lnTo>
+                  <a:pt x="69" y="3190"/>
+                </a:lnTo>
+                <a:lnTo>
+                  <a:pt x="1" y="3598"/>
+                </a:lnTo>
+                <a:lnTo>
+                  <a:pt x="1" y="4005"/>
+                </a:lnTo>
+                <a:lnTo>
+                  <a:pt x="1" y="91572"/>
+                </a:lnTo>
+                <a:lnTo>
+                  <a:pt x="1" y="91979"/>
+                </a:lnTo>
+                <a:lnTo>
+                  <a:pt x="69" y="92319"/>
+                </a:lnTo>
+                <a:lnTo>
+                  <a:pt x="272" y="93065"/>
+                </a:lnTo>
+                <a:lnTo>
+                  <a:pt x="679" y="93744"/>
+                </a:lnTo>
+                <a:lnTo>
+                  <a:pt x="1155" y="94355"/>
+                </a:lnTo>
+                <a:lnTo>
+                  <a:pt x="1766" y="94830"/>
+                </a:lnTo>
+                <a:lnTo>
+                  <a:pt x="2444" y="95238"/>
+                </a:lnTo>
+                <a:lnTo>
+                  <a:pt x="3191" y="95441"/>
+                </a:lnTo>
+                <a:lnTo>
+                  <a:pt x="3530" y="95509"/>
+                </a:lnTo>
+                <a:lnTo>
+                  <a:pt x="139904" y="95509"/>
+                </a:lnTo>
+                <a:lnTo>
+                  <a:pt x="140311" y="95441"/>
+                </a:lnTo>
+                <a:lnTo>
+                  <a:pt x="141058" y="95238"/>
+                </a:lnTo>
+                <a:lnTo>
+                  <a:pt x="141737" y="94830"/>
+                </a:lnTo>
+                <a:lnTo>
+                  <a:pt x="142280" y="94355"/>
+                </a:lnTo>
+                <a:lnTo>
+                  <a:pt x="142755" y="93744"/>
+                </a:lnTo>
+                <a:lnTo>
+                  <a:pt x="143162" y="93065"/>
+                </a:lnTo>
+                <a:lnTo>
+                  <a:pt x="143366" y="92319"/>
+                </a:lnTo>
+                <a:lnTo>
+                  <a:pt x="143434" y="91979"/>
+                </a:lnTo>
+                <a:lnTo>
+                  <a:pt x="143434" y="91572"/>
+                </a:lnTo>
+                <a:lnTo>
+                  <a:pt x="143434" y="4005"/>
+                </a:lnTo>
+                <a:lnTo>
+                  <a:pt x="143434" y="3598"/>
+                </a:lnTo>
+                <a:lnTo>
+                  <a:pt x="143366" y="3190"/>
+                </a:lnTo>
+                <a:lnTo>
+                  <a:pt x="143162" y="2444"/>
+                </a:lnTo>
+                <a:lnTo>
+                  <a:pt x="142755" y="1765"/>
+                </a:lnTo>
+                <a:lnTo>
+                  <a:pt x="142280" y="1154"/>
+                </a:lnTo>
+                <a:lnTo>
+                  <a:pt x="141737" y="679"/>
+                </a:lnTo>
+                <a:lnTo>
+                  <a:pt x="141058" y="339"/>
+                </a:lnTo>
+                <a:lnTo>
+                  <a:pt x="140311" y="68"/>
+                </a:lnTo>
+                <a:lnTo>
+                  <a:pt x="139904" y="0"/>
+                </a:lnTo>
+                <a:close/>
+                <a:moveTo>
+                  <a:pt x="55324" y="95713"/>
+                </a:moveTo>
+                <a:lnTo>
+                  <a:pt x="55052" y="98971"/>
+                </a:lnTo>
+                <a:lnTo>
+                  <a:pt x="54713" y="102297"/>
+                </a:lnTo>
+                <a:lnTo>
+                  <a:pt x="54374" y="105284"/>
+                </a:lnTo>
+                <a:lnTo>
+                  <a:pt x="53966" y="107388"/>
+                </a:lnTo>
+                <a:lnTo>
+                  <a:pt x="53763" y="108203"/>
+                </a:lnTo>
+                <a:lnTo>
+                  <a:pt x="53627" y="108746"/>
+                </a:lnTo>
+                <a:lnTo>
+                  <a:pt x="53423" y="109153"/>
+                </a:lnTo>
+                <a:lnTo>
+                  <a:pt x="53220" y="109357"/>
+                </a:lnTo>
+                <a:lnTo>
+                  <a:pt x="52677" y="109493"/>
+                </a:lnTo>
+                <a:lnTo>
+                  <a:pt x="51794" y="109696"/>
+                </a:lnTo>
+                <a:lnTo>
+                  <a:pt x="49690" y="110036"/>
+                </a:lnTo>
+                <a:lnTo>
+                  <a:pt x="48061" y="110307"/>
+                </a:lnTo>
+                <a:lnTo>
+                  <a:pt x="47450" y="110443"/>
+                </a:lnTo>
+                <a:lnTo>
+                  <a:pt x="47110" y="110511"/>
+                </a:lnTo>
+                <a:lnTo>
+                  <a:pt x="47042" y="110579"/>
+                </a:lnTo>
+                <a:lnTo>
+                  <a:pt x="47042" y="110783"/>
+                </a:lnTo>
+                <a:lnTo>
+                  <a:pt x="47110" y="110850"/>
+                </a:lnTo>
+                <a:lnTo>
+                  <a:pt x="47585" y="110918"/>
+                </a:lnTo>
+                <a:lnTo>
+                  <a:pt x="48400" y="110986"/>
+                </a:lnTo>
+                <a:lnTo>
+                  <a:pt x="51387" y="111054"/>
+                </a:lnTo>
+                <a:lnTo>
+                  <a:pt x="56071" y="111122"/>
+                </a:lnTo>
+                <a:lnTo>
+                  <a:pt x="87092" y="111122"/>
+                </a:lnTo>
+                <a:lnTo>
+                  <a:pt x="91708" y="111054"/>
+                </a:lnTo>
+                <a:lnTo>
+                  <a:pt x="94695" y="110986"/>
+                </a:lnTo>
+                <a:lnTo>
+                  <a:pt x="95578" y="110918"/>
+                </a:lnTo>
+                <a:lnTo>
+                  <a:pt x="96053" y="110850"/>
+                </a:lnTo>
+                <a:lnTo>
+                  <a:pt x="96121" y="110783"/>
+                </a:lnTo>
+                <a:lnTo>
+                  <a:pt x="96121" y="110579"/>
+                </a:lnTo>
+                <a:lnTo>
+                  <a:pt x="96053" y="110511"/>
+                </a:lnTo>
+                <a:lnTo>
+                  <a:pt x="95713" y="110443"/>
+                </a:lnTo>
+                <a:lnTo>
+                  <a:pt x="95102" y="110307"/>
+                </a:lnTo>
+                <a:lnTo>
+                  <a:pt x="93473" y="110036"/>
+                </a:lnTo>
+                <a:lnTo>
+                  <a:pt x="91369" y="109696"/>
+                </a:lnTo>
+                <a:lnTo>
+                  <a:pt x="90487" y="109493"/>
+                </a:lnTo>
+                <a:lnTo>
+                  <a:pt x="89943" y="109357"/>
+                </a:lnTo>
+                <a:lnTo>
+                  <a:pt x="89740" y="109153"/>
+                </a:lnTo>
+                <a:lnTo>
+                  <a:pt x="89536" y="108746"/>
+                </a:lnTo>
+                <a:lnTo>
+                  <a:pt x="89333" y="108203"/>
+                </a:lnTo>
+                <a:lnTo>
+                  <a:pt x="89197" y="107388"/>
+                </a:lnTo>
+                <a:lnTo>
+                  <a:pt x="88789" y="105284"/>
+                </a:lnTo>
+                <a:lnTo>
+                  <a:pt x="88382" y="102297"/>
+                </a:lnTo>
+                <a:lnTo>
+                  <a:pt x="88043" y="98971"/>
+                </a:lnTo>
+                <a:lnTo>
+                  <a:pt x="87839" y="95713"/>
+                </a:lnTo>
+                <a:close/>
+                <a:moveTo>
+                  <a:pt x="47450" y="111054"/>
+                </a:moveTo>
+                <a:lnTo>
+                  <a:pt x="47450" y="111122"/>
+                </a:lnTo>
+                <a:lnTo>
+                  <a:pt x="47450" y="111393"/>
+                </a:lnTo>
+                <a:lnTo>
+                  <a:pt x="47518" y="111461"/>
+                </a:lnTo>
+                <a:lnTo>
+                  <a:pt x="48807" y="111529"/>
+                </a:lnTo>
+                <a:lnTo>
+                  <a:pt x="52473" y="111597"/>
+                </a:lnTo>
+                <a:lnTo>
+                  <a:pt x="62384" y="111665"/>
+                </a:lnTo>
+                <a:lnTo>
+                  <a:pt x="80779" y="111665"/>
+                </a:lnTo>
+                <a:lnTo>
+                  <a:pt x="90622" y="111597"/>
+                </a:lnTo>
+                <a:lnTo>
+                  <a:pt x="94356" y="111529"/>
+                </a:lnTo>
+                <a:lnTo>
+                  <a:pt x="95646" y="111461"/>
+                </a:lnTo>
+                <a:lnTo>
+                  <a:pt x="95713" y="111393"/>
+                </a:lnTo>
+                <a:lnTo>
+                  <a:pt x="95713" y="111122"/>
+                </a:lnTo>
+                <a:lnTo>
+                  <a:pt x="95646" y="111054"/>
+                </a:lnTo>
+                <a:lnTo>
+                  <a:pt x="94084" y="111122"/>
+                </a:lnTo>
+                <a:lnTo>
+                  <a:pt x="91233" y="111190"/>
+                </a:lnTo>
+                <a:lnTo>
+                  <a:pt x="80847" y="111258"/>
+                </a:lnTo>
+                <a:lnTo>
+                  <a:pt x="62316" y="111258"/>
+                </a:lnTo>
+                <a:lnTo>
+                  <a:pt x="51930" y="111190"/>
+                </a:lnTo>
+                <a:lnTo>
+                  <a:pt x="49079" y="111122"/>
+                </a:lnTo>
+                <a:lnTo>
+                  <a:pt x="47518" y="111054"/>
+                </a:lnTo>
+                <a:close/>
+              </a:path>
+            </a:pathLst>
+          </a:custGeom>
+          <a:solidFill>
+            <a:srgbClr val="000000"/>
+          </a:solidFill>
+          <a:ln w="9525" cap="flat" cmpd="sng">
+            <a:solidFill>
+              <a:srgbClr val="A5B0FE"/>
+            </a:solidFill>
+            <a:prstDash val="solid"/>
+            <a:round/>
+            <a:headEnd type="none" w="sm" len="sm"/>
+            <a:tailEnd type="none" w="sm" len="sm"/>
+          </a:ln>
+        </p:spPr>
+        <p:txBody>
+          <a:bodyPr spcFirstLastPara="1" wrap="square" lIns="91425" tIns="91425" rIns="91425" bIns="91425" anchor="ctr" anchorCtr="0">
+            <a:noAutofit/>
+          </a:bodyPr>
+          <a:lstStyle/>
+          <a:p>
+            <a:pPr marL="0" lvl="0" indent="0" algn="l" rtl="0">
+              <a:spcBef>
+                <a:spcPts val="0"/>
+              </a:spcBef>
+              <a:spcAft>
+                <a:spcPts val="0"/>
+              </a:spcAft>
+              <a:buNone/>
+            </a:pPr>
+            <a:endParaRPr/>
+          </a:p>
+        </p:txBody>
+      </p:sp>
+      <p:sp>
+        <p:nvSpPr>
+          <p:cNvPr id="476" name="Google Shape;476;p35"/>
+          <p:cNvSpPr/>
+          <p:nvPr/>
+        </p:nvSpPr>
+        <p:spPr>
+          <a:xfrm>
+            <a:off x="3894425" y="923990"/>
+            <a:ext cx="4405500" cy="2813100"/>
+          </a:xfrm>
+          <a:prstGeom prst="rect">
+            <a:avLst/>
+          </a:prstGeom>
+          <a:noFill/>
+          <a:ln>
+            <a:noFill/>
+          </a:ln>
+        </p:spPr>
+        <p:txBody>
+          <a:bodyPr spcFirstLastPara="1" wrap="square" lIns="91425" tIns="91425" rIns="91425" bIns="91425" anchor="ctr" anchorCtr="0">
+            <a:noAutofit/>
+          </a:bodyPr>
+          <a:lstStyle/>
+          <a:p>
+            <a:pPr marL="0" lvl="0" indent="0" algn="ctr" rtl="0">
+              <a:spcBef>
+                <a:spcPts val="0"/>
+              </a:spcBef>
+              <a:spcAft>
+                <a:spcPts val="0"/>
+              </a:spcAft>
+              <a:buNone/>
+            </a:pPr>
+            <a:r>
+              <a:rPr lang="en" sz="1000" dirty="0">
+                <a:solidFill>
+                  <a:srgbClr val="FFFFFF"/>
+                </a:solidFill>
+                <a:latin typeface="Barlow Light"/>
+                <a:ea typeface="Barlow Light"/>
+                <a:cs typeface="Barlow Light"/>
+                <a:sym typeface="Barlow Light"/>
+              </a:rPr>
+              <a:t>Place your screenshot here</a:t>
+            </a:r>
+            <a:endParaRPr sz="1000" dirty="0">
+              <a:solidFill>
+                <a:srgbClr val="999999"/>
+              </a:solidFill>
+            </a:endParaRPr>
+          </a:p>
+        </p:txBody>
+      </p:sp>
+      <p:sp>
+        <p:nvSpPr>
+          <p:cNvPr id="477" name="Google Shape;477;p35"/>
+          <p:cNvSpPr txBox="1">
+            <a:spLocks noGrp="1"/>
+          </p:cNvSpPr>
+          <p:nvPr>
+            <p:ph type="sldNum" idx="12"/>
+          </p:nvPr>
+        </p:nvSpPr>
+        <p:spPr>
+          <a:xfrm>
+            <a:off x="8808000" y="2208175"/>
+            <a:ext cx="336000" cy="727200"/>
+          </a:xfrm>
+          <a:prstGeom prst="rect">
+            <a:avLst/>
+          </a:prstGeom>
+        </p:spPr>
+        <p:txBody>
+          <a:bodyPr spcFirstLastPara="1" wrap="square" lIns="91425" tIns="91425" rIns="91425" bIns="91425" anchor="ctr" anchorCtr="0">
+            <a:noAutofit/>
+          </a:bodyPr>
+          <a:lstStyle/>
+          <a:p>
+            <a:pPr marL="0" lvl="0" indent="0" algn="ctr" rtl="0">
+              <a:spcBef>
+                <a:spcPts val="0"/>
+              </a:spcBef>
+              <a:spcAft>
+                <a:spcPts val="0"/>
+              </a:spcAft>
+              <a:buNone/>
+            </a:pPr>
+            <a:fld id="{00000000-1234-1234-1234-123412341234}" type="slidenum">
+              <a:rPr lang="en"/>
+              <a:t>15</a:t>
+            </a:fld>
+            <a:endParaRPr/>
+          </a:p>
+        </p:txBody>
+      </p:sp>
+      <p:sp>
+        <p:nvSpPr>
+          <p:cNvPr id="478" name="Google Shape;478;p35"/>
+          <p:cNvSpPr txBox="1">
+            <a:spLocks noGrp="1"/>
+          </p:cNvSpPr>
+          <p:nvPr>
+            <p:ph type="body" idx="4294967295"/>
+          </p:nvPr>
+        </p:nvSpPr>
+        <p:spPr>
+          <a:xfrm>
+            <a:off x="485850" y="671150"/>
+            <a:ext cx="2097900" cy="3742800"/>
+          </a:xfrm>
+          <a:prstGeom prst="rect">
+            <a:avLst/>
+          </a:prstGeom>
+        </p:spPr>
+        <p:txBody>
+          <a:bodyPr spcFirstLastPara="1" wrap="square" lIns="91425" tIns="91425" rIns="91425" bIns="91425" anchor="t" anchorCtr="0">
+            <a:noAutofit/>
+          </a:bodyPr>
+          <a:lstStyle/>
+          <a:p>
+            <a:pPr marL="0" lvl="0" indent="0">
+              <a:buNone/>
+            </a:pPr>
+            <a:r>
+              <a:rPr lang="en-ID" dirty="0" err="1">
+                <a:solidFill>
+                  <a:srgbClr val="A5B0FE"/>
+                </a:solidFill>
+                <a:latin typeface="Miriam Libre"/>
+                <a:ea typeface="Miriam Libre"/>
+                <a:cs typeface="Miriam Libre"/>
+                <a:sym typeface="Miriam Libre"/>
+              </a:rPr>
+              <a:t>Desain</a:t>
+            </a:r>
+            <a:r>
+              <a:rPr lang="en-ID" dirty="0">
+                <a:solidFill>
+                  <a:srgbClr val="A5B0FE"/>
+                </a:solidFill>
+                <a:latin typeface="Miriam Libre"/>
+                <a:ea typeface="Miriam Libre"/>
+                <a:cs typeface="Miriam Libre"/>
+                <a:sym typeface="Miriam Libre"/>
+              </a:rPr>
+              <a:t> </a:t>
+            </a:r>
+            <a:r>
+              <a:rPr lang="en-ID" dirty="0" err="1">
+                <a:solidFill>
+                  <a:srgbClr val="A5B0FE"/>
+                </a:solidFill>
+                <a:latin typeface="Miriam Libre"/>
+                <a:ea typeface="Miriam Libre"/>
+                <a:cs typeface="Miriam Libre"/>
+                <a:sym typeface="Miriam Libre"/>
+              </a:rPr>
+              <a:t>Mockup</a:t>
+            </a:r>
+            <a:endParaRPr lang="en-ID" dirty="0">
+              <a:solidFill>
+                <a:srgbClr val="A5B0FE"/>
+              </a:solidFill>
+              <a:latin typeface="Miriam Libre"/>
+              <a:ea typeface="Miriam Libre"/>
+              <a:cs typeface="Miriam Libre"/>
+              <a:sym typeface="Miriam Libre"/>
+            </a:endParaRPr>
+          </a:p>
+          <a:p>
+            <a:pPr marL="0" lvl="0" indent="0">
+              <a:buNone/>
+            </a:pPr>
+            <a:r>
+              <a:rPr lang="en-ID" dirty="0" smtClean="0">
+                <a:solidFill>
+                  <a:srgbClr val="A5B0FE"/>
+                </a:solidFill>
+                <a:latin typeface="Miriam Libre"/>
+                <a:ea typeface="Miriam Libre"/>
+                <a:cs typeface="Miriam Libre"/>
+                <a:sym typeface="Miriam Libre"/>
+              </a:rPr>
+              <a:t>Student</a:t>
+            </a:r>
+          </a:p>
+          <a:p>
+            <a:pPr marL="342900" lvl="0" indent="-342900"/>
+            <a:r>
+              <a:rPr lang="en-ID" sz="2000" dirty="0" err="1" smtClean="0">
+                <a:latin typeface="Futura Bk BT" panose="020B0502020204020303" pitchFamily="34" charset="0"/>
+                <a:ea typeface="Miriam Libre"/>
+                <a:cs typeface="Miriam Libre"/>
+                <a:sym typeface="Miriam Libre"/>
+              </a:rPr>
+              <a:t>Membuat</a:t>
+            </a:r>
+            <a:r>
+              <a:rPr lang="en-ID" sz="2000" dirty="0" smtClean="0">
+                <a:latin typeface="Futura Bk BT" panose="020B0502020204020303" pitchFamily="34" charset="0"/>
+                <a:ea typeface="Miriam Libre"/>
+                <a:cs typeface="Miriam Libre"/>
+                <a:sym typeface="Miriam Libre"/>
+              </a:rPr>
+              <a:t> </a:t>
+            </a:r>
+            <a:r>
+              <a:rPr lang="en-ID" sz="2000" dirty="0" err="1" smtClean="0">
+                <a:latin typeface="Futura Bk BT" panose="020B0502020204020303" pitchFamily="34" charset="0"/>
+                <a:ea typeface="Miriam Libre"/>
+                <a:cs typeface="Miriam Libre"/>
+                <a:sym typeface="Miriam Libre"/>
+              </a:rPr>
+              <a:t>Cacatan</a:t>
+            </a:r>
+            <a:endParaRPr lang="en-ID" sz="2000" dirty="0" smtClean="0">
+              <a:latin typeface="Futura Bk BT" panose="020B0502020204020303" pitchFamily="34" charset="0"/>
+              <a:ea typeface="Miriam Libre"/>
+              <a:cs typeface="Miriam Libre"/>
+              <a:sym typeface="Miriam Libre"/>
+            </a:endParaRPr>
+          </a:p>
+          <a:p>
+            <a:pPr marL="342900" lvl="0" indent="-342900"/>
+            <a:r>
+              <a:rPr lang="en-ID" sz="2000" dirty="0" err="1" smtClean="0">
+                <a:latin typeface="Futura Bk BT" panose="020B0502020204020303" pitchFamily="34" charset="0"/>
+                <a:ea typeface="Miriam Libre"/>
+                <a:cs typeface="Miriam Libre"/>
+                <a:sym typeface="Miriam Libre"/>
+              </a:rPr>
+              <a:t>Menyimpan</a:t>
+            </a:r>
+            <a:r>
+              <a:rPr lang="en-ID" sz="2000" dirty="0" smtClean="0">
+                <a:latin typeface="Futura Bk BT" panose="020B0502020204020303" pitchFamily="34" charset="0"/>
+                <a:ea typeface="Miriam Libre"/>
+                <a:cs typeface="Miriam Libre"/>
+                <a:sym typeface="Miriam Libre"/>
+              </a:rPr>
+              <a:t> </a:t>
+            </a:r>
+            <a:r>
+              <a:rPr lang="en-ID" sz="2000" dirty="0" err="1" smtClean="0">
+                <a:latin typeface="Futura Bk BT" panose="020B0502020204020303" pitchFamily="34" charset="0"/>
+                <a:ea typeface="Miriam Libre"/>
+                <a:cs typeface="Miriam Libre"/>
+                <a:sym typeface="Miriam Libre"/>
+              </a:rPr>
+              <a:t>berkas</a:t>
+            </a:r>
+            <a:r>
+              <a:rPr lang="en-ID" sz="2000" dirty="0" smtClean="0">
+                <a:latin typeface="Futura Bk BT" panose="020B0502020204020303" pitchFamily="34" charset="0"/>
+                <a:ea typeface="Miriam Libre"/>
+                <a:cs typeface="Miriam Libre"/>
+                <a:sym typeface="Miriam Libre"/>
+              </a:rPr>
+              <a:t> </a:t>
+            </a:r>
+            <a:r>
+              <a:rPr lang="en-ID" sz="2000" dirty="0" err="1" smtClean="0">
+                <a:latin typeface="Futura Bk BT" panose="020B0502020204020303" pitchFamily="34" charset="0"/>
+                <a:ea typeface="Miriam Libre"/>
+                <a:cs typeface="Miriam Libre"/>
+                <a:sym typeface="Miriam Libre"/>
+              </a:rPr>
+              <a:t>pembelajaran</a:t>
+            </a:r>
+            <a:endParaRPr lang="en-ID" sz="2000" dirty="0" smtClean="0">
+              <a:latin typeface="Futura Bk BT" panose="020B0502020204020303" pitchFamily="34" charset="0"/>
+              <a:ea typeface="Miriam Libre"/>
+              <a:cs typeface="Miriam Libre"/>
+              <a:sym typeface="Miriam Libre"/>
+            </a:endParaRPr>
+          </a:p>
+          <a:p>
+            <a:pPr marL="342900" lvl="0" indent="-342900"/>
+            <a:r>
+              <a:rPr lang="en-ID" sz="2000" dirty="0" err="1" smtClean="0">
+                <a:latin typeface="Futura Bk BT" panose="020B0502020204020303" pitchFamily="34" charset="0"/>
+                <a:ea typeface="Miriam Libre"/>
+                <a:cs typeface="Miriam Libre"/>
+                <a:sym typeface="Miriam Libre"/>
+              </a:rPr>
+              <a:t>Mengakses</a:t>
+            </a:r>
+            <a:r>
+              <a:rPr lang="en-ID" sz="2000" dirty="0" smtClean="0">
+                <a:latin typeface="Futura Bk BT" panose="020B0502020204020303" pitchFamily="34" charset="0"/>
+                <a:ea typeface="Miriam Libre"/>
+                <a:cs typeface="Miriam Libre"/>
+                <a:sym typeface="Miriam Libre"/>
+              </a:rPr>
+              <a:t> </a:t>
+            </a:r>
+            <a:r>
+              <a:rPr lang="en-ID" sz="2000" dirty="0" err="1" smtClean="0">
+                <a:latin typeface="Futura Bk BT" panose="020B0502020204020303" pitchFamily="34" charset="0"/>
+                <a:ea typeface="Miriam Libre"/>
+                <a:cs typeface="Miriam Libre"/>
+                <a:sym typeface="Miriam Libre"/>
+              </a:rPr>
+              <a:t>cacatan</a:t>
+            </a:r>
+            <a:endParaRPr lang="en-ID" sz="2000" dirty="0">
+              <a:latin typeface="Futura Bk BT" panose="020B0502020204020303" pitchFamily="34" charset="0"/>
+              <a:ea typeface="Miriam Libre"/>
+              <a:cs typeface="Miriam Libre"/>
+              <a:sym typeface="Miriam Libre"/>
+            </a:endParaRPr>
+          </a:p>
+          <a:p>
+            <a:pPr marL="0" lvl="0" indent="0">
+              <a:buNone/>
+            </a:pPr>
+            <a:endParaRPr lang="en-ID" sz="2000" dirty="0" smtClean="0">
+              <a:solidFill>
+                <a:srgbClr val="A5B0FE"/>
+              </a:solidFill>
+              <a:latin typeface="Miriam Libre"/>
+              <a:ea typeface="Miriam Libre"/>
+              <a:cs typeface="Miriam Libre"/>
+              <a:sym typeface="Miriam Libre"/>
+            </a:endParaRPr>
+          </a:p>
+          <a:p>
+            <a:pPr marL="342900" indent="-342900"/>
+            <a:endParaRPr lang="en-ID" sz="2000" dirty="0">
+              <a:solidFill>
+                <a:srgbClr val="A5B0FE"/>
+              </a:solidFill>
+              <a:latin typeface="Miriam Libre"/>
+              <a:ea typeface="Miriam Libre"/>
+              <a:cs typeface="Miriam Libre"/>
+              <a:sym typeface="Miriam Libre"/>
+            </a:endParaRPr>
+          </a:p>
+        </p:txBody>
+      </p:sp>
+      <p:pic>
+        <p:nvPicPr>
+          <p:cNvPr id="4" name="Picture 3"/>
+          <p:cNvPicPr>
+            <a:picLocks noChangeAspect="1"/>
+          </p:cNvPicPr>
+          <p:nvPr/>
+        </p:nvPicPr>
+        <p:blipFill>
+          <a:blip r:embed="rId3"/>
+          <a:stretch>
+            <a:fillRect/>
+          </a:stretch>
+        </p:blipFill>
+        <p:spPr>
+          <a:xfrm>
+            <a:off x="3894426" y="923990"/>
+            <a:ext cx="4405500" cy="2813100"/>
+          </a:xfrm>
+          <a:prstGeom prst="rect">
+            <a:avLst/>
+          </a:prstGeom>
+        </p:spPr>
+      </p:pic>
+    </p:spTree>
+    <p:extLst>
+      <p:ext uri="{BB962C8B-B14F-4D97-AF65-F5344CB8AC3E}">
+        <p14:creationId xmlns:p14="http://schemas.microsoft.com/office/powerpoint/2010/main" val="3304486915"/>
+      </p:ext>
+    </p:extLst>
+  </p:cSld>
+  <p:clrMapOvr>
+    <a:masterClrMapping/>
+  </p:clrMapOvr>
+</p:sld>
+</file>
+
 <file path=ppt/slides/slide16.xml><?xml version="1.0" encoding="utf-8"?>
 <p:sld xmlns:a="http://schemas.openxmlformats.org/drawingml/2006/main" xmlns:r="http://schemas.openxmlformats.org/officeDocument/2006/relationships" xmlns:p="http://schemas.openxmlformats.org/presentationml/2006/main">
   <p:cSld>
@@ -20534,714 +21067,7 @@
               <a:buNone/>
             </a:pPr>
             <a:r>
-              <a:rPr lang="en-ID" dirty="0">
-                <a:solidFill>
-                  <a:srgbClr val="A5B0FE"/>
-                </a:solidFill>
-                <a:latin typeface="Miriam Libre"/>
-                <a:ea typeface="Miriam Libre"/>
-                <a:cs typeface="Miriam Libre"/>
-                <a:sym typeface="Miriam Libre"/>
-              </a:rPr>
-              <a:t>Student</a:t>
-            </a:r>
-            <a:endParaRPr lang="en-ID" sz="2000" dirty="0">
-              <a:solidFill>
-                <a:srgbClr val="A5B0FE"/>
-              </a:solidFill>
-              <a:latin typeface="Miriam Libre"/>
-              <a:ea typeface="Miriam Libre"/>
-              <a:cs typeface="Miriam Libre"/>
-              <a:sym typeface="Miriam Libre"/>
-            </a:endParaRPr>
-          </a:p>
-          <a:p>
-            <a:pPr marL="342900" indent="-342900"/>
-            <a:endParaRPr lang="en-ID" sz="2000" dirty="0">
-              <a:solidFill>
-                <a:srgbClr val="A5B0FE"/>
-              </a:solidFill>
-              <a:latin typeface="Miriam Libre"/>
-              <a:ea typeface="Miriam Libre"/>
-              <a:cs typeface="Miriam Libre"/>
-              <a:sym typeface="Miriam Libre"/>
-            </a:endParaRPr>
-          </a:p>
-        </p:txBody>
-      </p:sp>
-      <p:pic>
-        <p:nvPicPr>
-          <p:cNvPr id="4" name="Picture 3"/>
-          <p:cNvPicPr>
-            <a:picLocks noChangeAspect="1"/>
-          </p:cNvPicPr>
-          <p:nvPr/>
-        </p:nvPicPr>
-        <p:blipFill>
-          <a:blip r:embed="rId3"/>
-          <a:stretch>
-            <a:fillRect/>
-          </a:stretch>
-        </p:blipFill>
-        <p:spPr>
-          <a:xfrm>
-            <a:off x="3894426" y="923990"/>
-            <a:ext cx="4405500" cy="2813100"/>
-          </a:xfrm>
-          <a:prstGeom prst="rect">
-            <a:avLst/>
-          </a:prstGeom>
-        </p:spPr>
-      </p:pic>
-    </p:spTree>
-    <p:extLst>
-      <p:ext uri="{BB962C8B-B14F-4D97-AF65-F5344CB8AC3E}">
-        <p14:creationId xmlns:p14="http://schemas.microsoft.com/office/powerpoint/2010/main" val="3304486915"/>
-      </p:ext>
-    </p:extLst>
-  </p:cSld>
-  <p:clrMapOvr>
-    <a:masterClrMapping/>
-  </p:clrMapOvr>
-</p:sld>
-</file>
-
-<file path=ppt/slides/slide17.xml><?xml version="1.0" encoding="utf-8"?>
-<p:sld xmlns:a="http://schemas.openxmlformats.org/drawingml/2006/main" xmlns:r="http://schemas.openxmlformats.org/officeDocument/2006/relationships" xmlns:p="http://schemas.openxmlformats.org/presentationml/2006/main">
-  <p:cSld>
-    <p:spTree>
-      <p:nvGrpSpPr>
-        <p:cNvPr id="1" name="Shape 474"/>
-        <p:cNvGrpSpPr/>
-        <p:nvPr/>
-      </p:nvGrpSpPr>
-      <p:grpSpPr>
-        <a:xfrm>
-          <a:off x="0" y="0"/>
-          <a:ext cx="0" cy="0"/>
-          <a:chOff x="0" y="0"/>
-          <a:chExt cx="0" cy="0"/>
-        </a:xfrm>
-      </p:grpSpPr>
-      <p:sp>
-        <p:nvSpPr>
-          <p:cNvPr id="475" name="Google Shape;475;p35"/>
-          <p:cNvSpPr/>
-          <p:nvPr/>
-        </p:nvSpPr>
-        <p:spPr>
-          <a:xfrm>
-            <a:off x="3693400" y="725225"/>
-            <a:ext cx="4807549" cy="3742732"/>
-          </a:xfrm>
-          <a:custGeom>
-            <a:avLst/>
-            <a:gdLst/>
-            <a:ahLst/>
-            <a:cxnLst/>
-            <a:rect l="l" t="t" r="r" b="b"/>
-            <a:pathLst>
-              <a:path w="143434" h="111665" extrusionOk="0">
-                <a:moveTo>
-                  <a:pt x="71751" y="2308"/>
-                </a:moveTo>
-                <a:lnTo>
-                  <a:pt x="71887" y="2376"/>
-                </a:lnTo>
-                <a:lnTo>
-                  <a:pt x="72091" y="2444"/>
-                </a:lnTo>
-                <a:lnTo>
-                  <a:pt x="72159" y="2647"/>
-                </a:lnTo>
-                <a:lnTo>
-                  <a:pt x="72226" y="2783"/>
-                </a:lnTo>
-                <a:lnTo>
-                  <a:pt x="72159" y="2987"/>
-                </a:lnTo>
-                <a:lnTo>
-                  <a:pt x="72091" y="3190"/>
-                </a:lnTo>
-                <a:lnTo>
-                  <a:pt x="71887" y="3258"/>
-                </a:lnTo>
-                <a:lnTo>
-                  <a:pt x="71751" y="3326"/>
-                </a:lnTo>
-                <a:lnTo>
-                  <a:pt x="71548" y="3258"/>
-                </a:lnTo>
-                <a:lnTo>
-                  <a:pt x="71344" y="3190"/>
-                </a:lnTo>
-                <a:lnTo>
-                  <a:pt x="71276" y="2987"/>
-                </a:lnTo>
-                <a:lnTo>
-                  <a:pt x="71208" y="2783"/>
-                </a:lnTo>
-                <a:lnTo>
-                  <a:pt x="71276" y="2647"/>
-                </a:lnTo>
-                <a:lnTo>
-                  <a:pt x="71344" y="2444"/>
-                </a:lnTo>
-                <a:lnTo>
-                  <a:pt x="71548" y="2376"/>
-                </a:lnTo>
-                <a:lnTo>
-                  <a:pt x="71751" y="2308"/>
-                </a:lnTo>
-                <a:close/>
-                <a:moveTo>
-                  <a:pt x="137528" y="5906"/>
-                </a:moveTo>
-                <a:lnTo>
-                  <a:pt x="137596" y="5974"/>
-                </a:lnTo>
-                <a:lnTo>
-                  <a:pt x="137596" y="89604"/>
-                </a:lnTo>
-                <a:lnTo>
-                  <a:pt x="5906" y="89604"/>
-                </a:lnTo>
-                <a:lnTo>
-                  <a:pt x="5906" y="5974"/>
-                </a:lnTo>
-                <a:lnTo>
-                  <a:pt x="5906" y="5906"/>
-                </a:lnTo>
-                <a:close/>
-                <a:moveTo>
-                  <a:pt x="3530" y="0"/>
-                </a:moveTo>
-                <a:lnTo>
-                  <a:pt x="3191" y="68"/>
-                </a:lnTo>
-                <a:lnTo>
-                  <a:pt x="2444" y="339"/>
-                </a:lnTo>
-                <a:lnTo>
-                  <a:pt x="1766" y="679"/>
-                </a:lnTo>
-                <a:lnTo>
-                  <a:pt x="1155" y="1154"/>
-                </a:lnTo>
-                <a:lnTo>
-                  <a:pt x="679" y="1765"/>
-                </a:lnTo>
-                <a:lnTo>
-                  <a:pt x="272" y="2444"/>
-                </a:lnTo>
-                <a:lnTo>
-                  <a:pt x="69" y="3190"/>
-                </a:lnTo>
-                <a:lnTo>
-                  <a:pt x="1" y="3598"/>
-                </a:lnTo>
-                <a:lnTo>
-                  <a:pt x="1" y="4005"/>
-                </a:lnTo>
-                <a:lnTo>
-                  <a:pt x="1" y="91572"/>
-                </a:lnTo>
-                <a:lnTo>
-                  <a:pt x="1" y="91979"/>
-                </a:lnTo>
-                <a:lnTo>
-                  <a:pt x="69" y="92319"/>
-                </a:lnTo>
-                <a:lnTo>
-                  <a:pt x="272" y="93065"/>
-                </a:lnTo>
-                <a:lnTo>
-                  <a:pt x="679" y="93744"/>
-                </a:lnTo>
-                <a:lnTo>
-                  <a:pt x="1155" y="94355"/>
-                </a:lnTo>
-                <a:lnTo>
-                  <a:pt x="1766" y="94830"/>
-                </a:lnTo>
-                <a:lnTo>
-                  <a:pt x="2444" y="95238"/>
-                </a:lnTo>
-                <a:lnTo>
-                  <a:pt x="3191" y="95441"/>
-                </a:lnTo>
-                <a:lnTo>
-                  <a:pt x="3530" y="95509"/>
-                </a:lnTo>
-                <a:lnTo>
-                  <a:pt x="139904" y="95509"/>
-                </a:lnTo>
-                <a:lnTo>
-                  <a:pt x="140311" y="95441"/>
-                </a:lnTo>
-                <a:lnTo>
-                  <a:pt x="141058" y="95238"/>
-                </a:lnTo>
-                <a:lnTo>
-                  <a:pt x="141737" y="94830"/>
-                </a:lnTo>
-                <a:lnTo>
-                  <a:pt x="142280" y="94355"/>
-                </a:lnTo>
-                <a:lnTo>
-                  <a:pt x="142755" y="93744"/>
-                </a:lnTo>
-                <a:lnTo>
-                  <a:pt x="143162" y="93065"/>
-                </a:lnTo>
-                <a:lnTo>
-                  <a:pt x="143366" y="92319"/>
-                </a:lnTo>
-                <a:lnTo>
-                  <a:pt x="143434" y="91979"/>
-                </a:lnTo>
-                <a:lnTo>
-                  <a:pt x="143434" y="91572"/>
-                </a:lnTo>
-                <a:lnTo>
-                  <a:pt x="143434" y="4005"/>
-                </a:lnTo>
-                <a:lnTo>
-                  <a:pt x="143434" y="3598"/>
-                </a:lnTo>
-                <a:lnTo>
-                  <a:pt x="143366" y="3190"/>
-                </a:lnTo>
-                <a:lnTo>
-                  <a:pt x="143162" y="2444"/>
-                </a:lnTo>
-                <a:lnTo>
-                  <a:pt x="142755" y="1765"/>
-                </a:lnTo>
-                <a:lnTo>
-                  <a:pt x="142280" y="1154"/>
-                </a:lnTo>
-                <a:lnTo>
-                  <a:pt x="141737" y="679"/>
-                </a:lnTo>
-                <a:lnTo>
-                  <a:pt x="141058" y="339"/>
-                </a:lnTo>
-                <a:lnTo>
-                  <a:pt x="140311" y="68"/>
-                </a:lnTo>
-                <a:lnTo>
-                  <a:pt x="139904" y="0"/>
-                </a:lnTo>
-                <a:close/>
-                <a:moveTo>
-                  <a:pt x="55324" y="95713"/>
-                </a:moveTo>
-                <a:lnTo>
-                  <a:pt x="55052" y="98971"/>
-                </a:lnTo>
-                <a:lnTo>
-                  <a:pt x="54713" y="102297"/>
-                </a:lnTo>
-                <a:lnTo>
-                  <a:pt x="54374" y="105284"/>
-                </a:lnTo>
-                <a:lnTo>
-                  <a:pt x="53966" y="107388"/>
-                </a:lnTo>
-                <a:lnTo>
-                  <a:pt x="53763" y="108203"/>
-                </a:lnTo>
-                <a:lnTo>
-                  <a:pt x="53627" y="108746"/>
-                </a:lnTo>
-                <a:lnTo>
-                  <a:pt x="53423" y="109153"/>
-                </a:lnTo>
-                <a:lnTo>
-                  <a:pt x="53220" y="109357"/>
-                </a:lnTo>
-                <a:lnTo>
-                  <a:pt x="52677" y="109493"/>
-                </a:lnTo>
-                <a:lnTo>
-                  <a:pt x="51794" y="109696"/>
-                </a:lnTo>
-                <a:lnTo>
-                  <a:pt x="49690" y="110036"/>
-                </a:lnTo>
-                <a:lnTo>
-                  <a:pt x="48061" y="110307"/>
-                </a:lnTo>
-                <a:lnTo>
-                  <a:pt x="47450" y="110443"/>
-                </a:lnTo>
-                <a:lnTo>
-                  <a:pt x="47110" y="110511"/>
-                </a:lnTo>
-                <a:lnTo>
-                  <a:pt x="47042" y="110579"/>
-                </a:lnTo>
-                <a:lnTo>
-                  <a:pt x="47042" y="110783"/>
-                </a:lnTo>
-                <a:lnTo>
-                  <a:pt x="47110" y="110850"/>
-                </a:lnTo>
-                <a:lnTo>
-                  <a:pt x="47585" y="110918"/>
-                </a:lnTo>
-                <a:lnTo>
-                  <a:pt x="48400" y="110986"/>
-                </a:lnTo>
-                <a:lnTo>
-                  <a:pt x="51387" y="111054"/>
-                </a:lnTo>
-                <a:lnTo>
-                  <a:pt x="56071" y="111122"/>
-                </a:lnTo>
-                <a:lnTo>
-                  <a:pt x="87092" y="111122"/>
-                </a:lnTo>
-                <a:lnTo>
-                  <a:pt x="91708" y="111054"/>
-                </a:lnTo>
-                <a:lnTo>
-                  <a:pt x="94695" y="110986"/>
-                </a:lnTo>
-                <a:lnTo>
-                  <a:pt x="95578" y="110918"/>
-                </a:lnTo>
-                <a:lnTo>
-                  <a:pt x="96053" y="110850"/>
-                </a:lnTo>
-                <a:lnTo>
-                  <a:pt x="96121" y="110783"/>
-                </a:lnTo>
-                <a:lnTo>
-                  <a:pt x="96121" y="110579"/>
-                </a:lnTo>
-                <a:lnTo>
-                  <a:pt x="96053" y="110511"/>
-                </a:lnTo>
-                <a:lnTo>
-                  <a:pt x="95713" y="110443"/>
-                </a:lnTo>
-                <a:lnTo>
-                  <a:pt x="95102" y="110307"/>
-                </a:lnTo>
-                <a:lnTo>
-                  <a:pt x="93473" y="110036"/>
-                </a:lnTo>
-                <a:lnTo>
-                  <a:pt x="91369" y="109696"/>
-                </a:lnTo>
-                <a:lnTo>
-                  <a:pt x="90487" y="109493"/>
-                </a:lnTo>
-                <a:lnTo>
-                  <a:pt x="89943" y="109357"/>
-                </a:lnTo>
-                <a:lnTo>
-                  <a:pt x="89740" y="109153"/>
-                </a:lnTo>
-                <a:lnTo>
-                  <a:pt x="89536" y="108746"/>
-                </a:lnTo>
-                <a:lnTo>
-                  <a:pt x="89333" y="108203"/>
-                </a:lnTo>
-                <a:lnTo>
-                  <a:pt x="89197" y="107388"/>
-                </a:lnTo>
-                <a:lnTo>
-                  <a:pt x="88789" y="105284"/>
-                </a:lnTo>
-                <a:lnTo>
-                  <a:pt x="88382" y="102297"/>
-                </a:lnTo>
-                <a:lnTo>
-                  <a:pt x="88043" y="98971"/>
-                </a:lnTo>
-                <a:lnTo>
-                  <a:pt x="87839" y="95713"/>
-                </a:lnTo>
-                <a:close/>
-                <a:moveTo>
-                  <a:pt x="47450" y="111054"/>
-                </a:moveTo>
-                <a:lnTo>
-                  <a:pt x="47450" y="111122"/>
-                </a:lnTo>
-                <a:lnTo>
-                  <a:pt x="47450" y="111393"/>
-                </a:lnTo>
-                <a:lnTo>
-                  <a:pt x="47518" y="111461"/>
-                </a:lnTo>
-                <a:lnTo>
-                  <a:pt x="48807" y="111529"/>
-                </a:lnTo>
-                <a:lnTo>
-                  <a:pt x="52473" y="111597"/>
-                </a:lnTo>
-                <a:lnTo>
-                  <a:pt x="62384" y="111665"/>
-                </a:lnTo>
-                <a:lnTo>
-                  <a:pt x="80779" y="111665"/>
-                </a:lnTo>
-                <a:lnTo>
-                  <a:pt x="90622" y="111597"/>
-                </a:lnTo>
-                <a:lnTo>
-                  <a:pt x="94356" y="111529"/>
-                </a:lnTo>
-                <a:lnTo>
-                  <a:pt x="95646" y="111461"/>
-                </a:lnTo>
-                <a:lnTo>
-                  <a:pt x="95713" y="111393"/>
-                </a:lnTo>
-                <a:lnTo>
-                  <a:pt x="95713" y="111122"/>
-                </a:lnTo>
-                <a:lnTo>
-                  <a:pt x="95646" y="111054"/>
-                </a:lnTo>
-                <a:lnTo>
-                  <a:pt x="94084" y="111122"/>
-                </a:lnTo>
-                <a:lnTo>
-                  <a:pt x="91233" y="111190"/>
-                </a:lnTo>
-                <a:lnTo>
-                  <a:pt x="80847" y="111258"/>
-                </a:lnTo>
-                <a:lnTo>
-                  <a:pt x="62316" y="111258"/>
-                </a:lnTo>
-                <a:lnTo>
-                  <a:pt x="51930" y="111190"/>
-                </a:lnTo>
-                <a:lnTo>
-                  <a:pt x="49079" y="111122"/>
-                </a:lnTo>
-                <a:lnTo>
-                  <a:pt x="47518" y="111054"/>
-                </a:lnTo>
-                <a:close/>
-              </a:path>
-            </a:pathLst>
-          </a:custGeom>
-          <a:solidFill>
-            <a:srgbClr val="000000"/>
-          </a:solidFill>
-          <a:ln w="9525" cap="flat" cmpd="sng">
-            <a:solidFill>
-              <a:srgbClr val="A5B0FE"/>
-            </a:solidFill>
-            <a:prstDash val="solid"/>
-            <a:round/>
-            <a:headEnd type="none" w="sm" len="sm"/>
-            <a:tailEnd type="none" w="sm" len="sm"/>
-          </a:ln>
-        </p:spPr>
-        <p:txBody>
-          <a:bodyPr spcFirstLastPara="1" wrap="square" lIns="91425" tIns="91425" rIns="91425" bIns="91425" anchor="ctr" anchorCtr="0">
-            <a:noAutofit/>
-          </a:bodyPr>
-          <a:lstStyle/>
-          <a:p>
-            <a:pPr marL="0" lvl="0" indent="0" algn="l" rtl="0">
-              <a:spcBef>
-                <a:spcPts val="0"/>
-              </a:spcBef>
-              <a:spcAft>
-                <a:spcPts val="0"/>
-              </a:spcAft>
-              <a:buNone/>
-            </a:pPr>
-            <a:endParaRPr/>
-          </a:p>
-        </p:txBody>
-      </p:sp>
-      <p:sp>
-        <p:nvSpPr>
-          <p:cNvPr id="476" name="Google Shape;476;p35"/>
-          <p:cNvSpPr/>
-          <p:nvPr/>
-        </p:nvSpPr>
-        <p:spPr>
-          <a:xfrm>
-            <a:off x="3894425" y="923990"/>
-            <a:ext cx="4405500" cy="2813100"/>
-          </a:xfrm>
-          <a:prstGeom prst="rect">
-            <a:avLst/>
-          </a:prstGeom>
-          <a:noFill/>
-          <a:ln>
-            <a:noFill/>
-          </a:ln>
-        </p:spPr>
-        <p:txBody>
-          <a:bodyPr spcFirstLastPara="1" wrap="square" lIns="91425" tIns="91425" rIns="91425" bIns="91425" anchor="ctr" anchorCtr="0">
-            <a:noAutofit/>
-          </a:bodyPr>
-          <a:lstStyle/>
-          <a:p>
-            <a:pPr marL="0" lvl="0" indent="0" algn="ctr" rtl="0">
-              <a:spcBef>
-                <a:spcPts val="0"/>
-              </a:spcBef>
-              <a:spcAft>
-                <a:spcPts val="0"/>
-              </a:spcAft>
-              <a:buNone/>
-            </a:pPr>
-            <a:r>
-              <a:rPr lang="en" sz="1000" dirty="0">
-                <a:solidFill>
-                  <a:srgbClr val="FFFFFF"/>
-                </a:solidFill>
-                <a:latin typeface="Barlow Light"/>
-                <a:ea typeface="Barlow Light"/>
-                <a:cs typeface="Barlow Light"/>
-                <a:sym typeface="Barlow Light"/>
-              </a:rPr>
-              <a:t>Place your screenshot here</a:t>
-            </a:r>
-            <a:endParaRPr sz="1000" dirty="0">
-              <a:solidFill>
-                <a:srgbClr val="999999"/>
-              </a:solidFill>
-            </a:endParaRPr>
-          </a:p>
-        </p:txBody>
-      </p:sp>
-      <p:sp>
-        <p:nvSpPr>
-          <p:cNvPr id="477" name="Google Shape;477;p35"/>
-          <p:cNvSpPr txBox="1">
-            <a:spLocks noGrp="1"/>
-          </p:cNvSpPr>
-          <p:nvPr>
-            <p:ph type="sldNum" idx="12"/>
-          </p:nvPr>
-        </p:nvSpPr>
-        <p:spPr>
-          <a:xfrm>
-            <a:off x="8808000" y="2208175"/>
-            <a:ext cx="336000" cy="727200"/>
-          </a:xfrm>
-          <a:prstGeom prst="rect">
-            <a:avLst/>
-          </a:prstGeom>
-        </p:spPr>
-        <p:txBody>
-          <a:bodyPr spcFirstLastPara="1" wrap="square" lIns="91425" tIns="91425" rIns="91425" bIns="91425" anchor="ctr" anchorCtr="0">
-            <a:noAutofit/>
-          </a:bodyPr>
-          <a:lstStyle/>
-          <a:p>
-            <a:pPr marL="0" lvl="0" indent="0" algn="ctr" rtl="0">
-              <a:spcBef>
-                <a:spcPts val="0"/>
-              </a:spcBef>
-              <a:spcAft>
-                <a:spcPts val="0"/>
-              </a:spcAft>
-              <a:buNone/>
-            </a:pPr>
-            <a:fld id="{00000000-1234-1234-1234-123412341234}" type="slidenum">
-              <a:rPr lang="en"/>
-              <a:t>17</a:t>
-            </a:fld>
-            <a:endParaRPr/>
-          </a:p>
-        </p:txBody>
-      </p:sp>
-      <p:sp>
-        <p:nvSpPr>
-          <p:cNvPr id="478" name="Google Shape;478;p35"/>
-          <p:cNvSpPr txBox="1">
-            <a:spLocks noGrp="1"/>
-          </p:cNvSpPr>
-          <p:nvPr>
-            <p:ph type="body" idx="4294967295"/>
-          </p:nvPr>
-        </p:nvSpPr>
-        <p:spPr>
-          <a:xfrm>
-            <a:off x="485850" y="671150"/>
-            <a:ext cx="2097900" cy="3742800"/>
-          </a:xfrm>
-          <a:prstGeom prst="rect">
-            <a:avLst/>
-          </a:prstGeom>
-        </p:spPr>
-        <p:txBody>
-          <a:bodyPr spcFirstLastPara="1" wrap="square" lIns="91425" tIns="91425" rIns="91425" bIns="91425" anchor="t" anchorCtr="0">
-            <a:noAutofit/>
-          </a:bodyPr>
-          <a:lstStyle/>
-          <a:p>
-            <a:pPr marL="0" lvl="0" indent="0">
-              <a:buNone/>
-            </a:pPr>
-            <a:r>
-              <a:rPr lang="en-ID" dirty="0" err="1">
-                <a:solidFill>
-                  <a:srgbClr val="A5B0FE"/>
-                </a:solidFill>
-                <a:latin typeface="Miriam Libre"/>
-                <a:ea typeface="Miriam Libre"/>
-                <a:cs typeface="Miriam Libre"/>
-                <a:sym typeface="Miriam Libre"/>
-              </a:rPr>
-              <a:t>Desain</a:t>
-            </a:r>
-            <a:r>
-              <a:rPr lang="en-ID" dirty="0">
-                <a:solidFill>
-                  <a:srgbClr val="A5B0FE"/>
-                </a:solidFill>
-                <a:latin typeface="Miriam Libre"/>
-                <a:ea typeface="Miriam Libre"/>
-                <a:cs typeface="Miriam Libre"/>
-                <a:sym typeface="Miriam Libre"/>
-              </a:rPr>
-              <a:t> </a:t>
-            </a:r>
-            <a:r>
-              <a:rPr lang="en-ID" dirty="0" err="1">
-                <a:solidFill>
-                  <a:srgbClr val="A5B0FE"/>
-                </a:solidFill>
-                <a:latin typeface="Miriam Libre"/>
-                <a:ea typeface="Miriam Libre"/>
-                <a:cs typeface="Miriam Libre"/>
-                <a:sym typeface="Miriam Libre"/>
-              </a:rPr>
-              <a:t>Mockup</a:t>
-            </a:r>
-            <a:endParaRPr lang="en-ID" dirty="0">
-              <a:solidFill>
-                <a:srgbClr val="A5B0FE"/>
-              </a:solidFill>
-              <a:latin typeface="Miriam Libre"/>
-              <a:ea typeface="Miriam Libre"/>
-              <a:cs typeface="Miriam Libre"/>
-              <a:sym typeface="Miriam Libre"/>
-            </a:endParaRPr>
-          </a:p>
-          <a:p>
-            <a:pPr marL="0" lvl="0" indent="0">
-              <a:buNone/>
-            </a:pPr>
-            <a:r>
-              <a:rPr lang="en-ID" dirty="0">
+              <a:rPr lang="en-ID" dirty="0" smtClean="0">
                 <a:solidFill>
                   <a:srgbClr val="A5B0FE"/>
                 </a:solidFill>
@@ -21252,6 +21078,191 @@
               </a:rPr>
               <a:t>Teacher</a:t>
             </a:r>
+          </a:p>
+          <a:p>
+            <a:pPr marL="342900" lvl="0" indent="-342900"/>
+            <a:r>
+              <a:rPr lang="en-ID" sz="2000" dirty="0" err="1">
+                <a:latin typeface="Futura Bk BT" panose="020B0502020204020303" pitchFamily="34" charset="0"/>
+                <a:ea typeface="Miriam Libre"/>
+                <a:cs typeface="Miriam Libre"/>
+                <a:sym typeface="Miriam Libre"/>
+              </a:rPr>
+              <a:t>Membuat</a:t>
+            </a:r>
+            <a:r>
+              <a:rPr lang="en-ID" sz="2000" dirty="0">
+                <a:latin typeface="Futura Bk BT" panose="020B0502020204020303" pitchFamily="34" charset="0"/>
+                <a:ea typeface="Miriam Libre"/>
+                <a:cs typeface="Miriam Libre"/>
+                <a:sym typeface="Miriam Libre"/>
+              </a:rPr>
+              <a:t> </a:t>
+            </a:r>
+            <a:r>
+              <a:rPr lang="en-ID" sz="2000" dirty="0" err="1" smtClean="0">
+                <a:latin typeface="Futura Bk BT" panose="020B0502020204020303" pitchFamily="34" charset="0"/>
+                <a:ea typeface="Miriam Libre"/>
+                <a:cs typeface="Miriam Libre"/>
+                <a:sym typeface="Miriam Libre"/>
+              </a:rPr>
+              <a:t>Rekap</a:t>
+            </a:r>
+            <a:r>
+              <a:rPr lang="en-ID" sz="2000" dirty="0" smtClean="0">
+                <a:latin typeface="Futura Bk BT" panose="020B0502020204020303" pitchFamily="34" charset="0"/>
+                <a:ea typeface="Miriam Libre"/>
+                <a:cs typeface="Miriam Libre"/>
+                <a:sym typeface="Miriam Libre"/>
+              </a:rPr>
+              <a:t> </a:t>
+            </a:r>
+            <a:r>
+              <a:rPr lang="en-ID" sz="2000" dirty="0" err="1" smtClean="0">
+                <a:latin typeface="Futura Bk BT" panose="020B0502020204020303" pitchFamily="34" charset="0"/>
+                <a:ea typeface="Miriam Libre"/>
+                <a:cs typeface="Miriam Libre"/>
+                <a:sym typeface="Miriam Libre"/>
+              </a:rPr>
+              <a:t>Nilai</a:t>
+            </a:r>
+            <a:endParaRPr lang="en-ID" sz="2000" dirty="0">
+              <a:latin typeface="Futura Bk BT" panose="020B0502020204020303" pitchFamily="34" charset="0"/>
+              <a:ea typeface="Miriam Libre"/>
+              <a:cs typeface="Miriam Libre"/>
+              <a:sym typeface="Miriam Libre"/>
+            </a:endParaRPr>
+          </a:p>
+          <a:p>
+            <a:pPr marL="342900" lvl="0" indent="-342900"/>
+            <a:r>
+              <a:rPr lang="en-ID" sz="2000" dirty="0" err="1">
+                <a:latin typeface="Futura Bk BT" panose="020B0502020204020303" pitchFamily="34" charset="0"/>
+                <a:ea typeface="Miriam Libre"/>
+                <a:cs typeface="Miriam Libre"/>
+                <a:sym typeface="Miriam Libre"/>
+              </a:rPr>
+              <a:t>Menyimpan</a:t>
+            </a:r>
+            <a:r>
+              <a:rPr lang="en-ID" sz="2000" dirty="0">
+                <a:latin typeface="Futura Bk BT" panose="020B0502020204020303" pitchFamily="34" charset="0"/>
+                <a:ea typeface="Miriam Libre"/>
+                <a:cs typeface="Miriam Libre"/>
+                <a:sym typeface="Miriam Libre"/>
+              </a:rPr>
+              <a:t> </a:t>
+            </a:r>
+            <a:r>
+              <a:rPr lang="en-ID" sz="2000" dirty="0" err="1">
+                <a:latin typeface="Futura Bk BT" panose="020B0502020204020303" pitchFamily="34" charset="0"/>
+                <a:ea typeface="Miriam Libre"/>
+                <a:cs typeface="Miriam Libre"/>
+                <a:sym typeface="Miriam Libre"/>
+              </a:rPr>
+              <a:t>berkas</a:t>
+            </a:r>
+            <a:r>
+              <a:rPr lang="en-ID" sz="2000" dirty="0">
+                <a:latin typeface="Futura Bk BT" panose="020B0502020204020303" pitchFamily="34" charset="0"/>
+                <a:ea typeface="Miriam Libre"/>
+                <a:cs typeface="Miriam Libre"/>
+                <a:sym typeface="Miriam Libre"/>
+              </a:rPr>
+              <a:t> </a:t>
+            </a:r>
+            <a:r>
+              <a:rPr lang="en-ID" sz="2000" dirty="0" err="1">
+                <a:latin typeface="Futura Bk BT" panose="020B0502020204020303" pitchFamily="34" charset="0"/>
+                <a:ea typeface="Miriam Libre"/>
+                <a:cs typeface="Miriam Libre"/>
+                <a:sym typeface="Miriam Libre"/>
+              </a:rPr>
+              <a:t>pembelajaran</a:t>
+            </a:r>
+            <a:endParaRPr lang="en-ID" sz="2000" dirty="0">
+              <a:latin typeface="Futura Bk BT" panose="020B0502020204020303" pitchFamily="34" charset="0"/>
+              <a:ea typeface="Miriam Libre"/>
+              <a:cs typeface="Miriam Libre"/>
+              <a:sym typeface="Miriam Libre"/>
+            </a:endParaRPr>
+          </a:p>
+          <a:p>
+            <a:pPr marL="342900" lvl="0" indent="-342900"/>
+            <a:r>
+              <a:rPr lang="en-ID" sz="2000" dirty="0" err="1">
+                <a:latin typeface="Futura Bk BT" panose="020B0502020204020303" pitchFamily="34" charset="0"/>
+                <a:ea typeface="Miriam Libre"/>
+                <a:cs typeface="Miriam Libre"/>
+                <a:sym typeface="Miriam Libre"/>
+              </a:rPr>
+              <a:t>Mengakses</a:t>
+            </a:r>
+            <a:r>
+              <a:rPr lang="en-ID" sz="2000" dirty="0">
+                <a:latin typeface="Futura Bk BT" panose="020B0502020204020303" pitchFamily="34" charset="0"/>
+                <a:ea typeface="Miriam Libre"/>
+                <a:cs typeface="Miriam Libre"/>
+                <a:sym typeface="Miriam Libre"/>
+              </a:rPr>
+              <a:t> </a:t>
+            </a:r>
+            <a:r>
+              <a:rPr lang="en-ID" sz="2000" dirty="0" err="1" smtClean="0">
+                <a:latin typeface="Futura Bk BT" panose="020B0502020204020303" pitchFamily="34" charset="0"/>
+                <a:ea typeface="Miriam Libre"/>
+                <a:cs typeface="Miriam Libre"/>
+                <a:sym typeface="Miriam Libre"/>
+              </a:rPr>
+              <a:t>cacatan</a:t>
+            </a:r>
+            <a:r>
+              <a:rPr lang="en-ID" sz="2000" dirty="0" smtClean="0">
+                <a:latin typeface="Futura Bk BT" panose="020B0502020204020303" pitchFamily="34" charset="0"/>
+                <a:ea typeface="Miriam Libre"/>
+                <a:cs typeface="Miriam Libre"/>
+                <a:sym typeface="Miriam Libre"/>
+              </a:rPr>
+              <a:t> </a:t>
+            </a:r>
+            <a:r>
+              <a:rPr lang="en-ID" sz="2000" dirty="0" err="1" smtClean="0">
+                <a:latin typeface="Futura Bk BT" panose="020B0502020204020303" pitchFamily="34" charset="0"/>
+                <a:ea typeface="Miriam Libre"/>
+                <a:cs typeface="Miriam Libre"/>
+                <a:sym typeface="Miriam Libre"/>
+              </a:rPr>
+              <a:t>siswa</a:t>
+            </a:r>
+            <a:r>
+              <a:rPr lang="en-ID" sz="2000" dirty="0" smtClean="0">
+                <a:latin typeface="Futura Bk BT" panose="020B0502020204020303" pitchFamily="34" charset="0"/>
+                <a:ea typeface="Miriam Libre"/>
+                <a:cs typeface="Miriam Libre"/>
+                <a:sym typeface="Miriam Libre"/>
+              </a:rPr>
+              <a:t>/</a:t>
+            </a:r>
+            <a:r>
+              <a:rPr lang="en-ID" sz="2000" dirty="0" err="1" smtClean="0">
+                <a:latin typeface="Futura Bk BT" panose="020B0502020204020303" pitchFamily="34" charset="0"/>
+                <a:ea typeface="Miriam Libre"/>
+                <a:cs typeface="Miriam Libre"/>
+                <a:sym typeface="Miriam Libre"/>
+              </a:rPr>
+              <a:t>i</a:t>
+            </a:r>
+            <a:endParaRPr lang="en-ID" sz="2000" dirty="0">
+              <a:latin typeface="Futura Bk BT" panose="020B0502020204020303" pitchFamily="34" charset="0"/>
+              <a:ea typeface="Miriam Libre"/>
+              <a:cs typeface="Miriam Libre"/>
+              <a:sym typeface="Miriam Libre"/>
+            </a:endParaRPr>
+          </a:p>
+          <a:p>
+            <a:pPr marL="0" lvl="0" indent="0">
+              <a:buNone/>
+            </a:pPr>
             <a:endParaRPr lang="en-ID" sz="2000" dirty="0">
               <a:solidFill>
                 <a:srgbClr val="A5B0FE"/>
@@ -21319,720 +21330,7 @@
 </p:sld>
 </file>
 
-<file path=ppt/slides/slide18.xml><?xml version="1.0" encoding="utf-8"?>
-<p:sld xmlns:a="http://schemas.openxmlformats.org/drawingml/2006/main" xmlns:r="http://schemas.openxmlformats.org/officeDocument/2006/relationships" xmlns:p="http://schemas.openxmlformats.org/presentationml/2006/main">
-  <p:cSld>
-    <p:spTree>
-      <p:nvGrpSpPr>
-        <p:cNvPr id="1" name="Shape 474"/>
-        <p:cNvGrpSpPr/>
-        <p:nvPr/>
-      </p:nvGrpSpPr>
-      <p:grpSpPr>
-        <a:xfrm>
-          <a:off x="0" y="0"/>
-          <a:ext cx="0" cy="0"/>
-          <a:chOff x="0" y="0"/>
-          <a:chExt cx="0" cy="0"/>
-        </a:xfrm>
-      </p:grpSpPr>
-      <p:sp>
-        <p:nvSpPr>
-          <p:cNvPr id="475" name="Google Shape;475;p35"/>
-          <p:cNvSpPr/>
-          <p:nvPr/>
-        </p:nvSpPr>
-        <p:spPr>
-          <a:xfrm>
-            <a:off x="3693400" y="725225"/>
-            <a:ext cx="4807549" cy="3742732"/>
-          </a:xfrm>
-          <a:custGeom>
-            <a:avLst/>
-            <a:gdLst/>
-            <a:ahLst/>
-            <a:cxnLst/>
-            <a:rect l="l" t="t" r="r" b="b"/>
-            <a:pathLst>
-              <a:path w="143434" h="111665" extrusionOk="0">
-                <a:moveTo>
-                  <a:pt x="71751" y="2308"/>
-                </a:moveTo>
-                <a:lnTo>
-                  <a:pt x="71887" y="2376"/>
-                </a:lnTo>
-                <a:lnTo>
-                  <a:pt x="72091" y="2444"/>
-                </a:lnTo>
-                <a:lnTo>
-                  <a:pt x="72159" y="2647"/>
-                </a:lnTo>
-                <a:lnTo>
-                  <a:pt x="72226" y="2783"/>
-                </a:lnTo>
-                <a:lnTo>
-                  <a:pt x="72159" y="2987"/>
-                </a:lnTo>
-                <a:lnTo>
-                  <a:pt x="72091" y="3190"/>
-                </a:lnTo>
-                <a:lnTo>
-                  <a:pt x="71887" y="3258"/>
-                </a:lnTo>
-                <a:lnTo>
-                  <a:pt x="71751" y="3326"/>
-                </a:lnTo>
-                <a:lnTo>
-                  <a:pt x="71548" y="3258"/>
-                </a:lnTo>
-                <a:lnTo>
-                  <a:pt x="71344" y="3190"/>
-                </a:lnTo>
-                <a:lnTo>
-                  <a:pt x="71276" y="2987"/>
-                </a:lnTo>
-                <a:lnTo>
-                  <a:pt x="71208" y="2783"/>
-                </a:lnTo>
-                <a:lnTo>
-                  <a:pt x="71276" y="2647"/>
-                </a:lnTo>
-                <a:lnTo>
-                  <a:pt x="71344" y="2444"/>
-                </a:lnTo>
-                <a:lnTo>
-                  <a:pt x="71548" y="2376"/>
-                </a:lnTo>
-                <a:lnTo>
-                  <a:pt x="71751" y="2308"/>
-                </a:lnTo>
-                <a:close/>
-                <a:moveTo>
-                  <a:pt x="137528" y="5906"/>
-                </a:moveTo>
-                <a:lnTo>
-                  <a:pt x="137596" y="5974"/>
-                </a:lnTo>
-                <a:lnTo>
-                  <a:pt x="137596" y="89604"/>
-                </a:lnTo>
-                <a:lnTo>
-                  <a:pt x="5906" y="89604"/>
-                </a:lnTo>
-                <a:lnTo>
-                  <a:pt x="5906" y="5974"/>
-                </a:lnTo>
-                <a:lnTo>
-                  <a:pt x="5906" y="5906"/>
-                </a:lnTo>
-                <a:close/>
-                <a:moveTo>
-                  <a:pt x="3530" y="0"/>
-                </a:moveTo>
-                <a:lnTo>
-                  <a:pt x="3191" y="68"/>
-                </a:lnTo>
-                <a:lnTo>
-                  <a:pt x="2444" y="339"/>
-                </a:lnTo>
-                <a:lnTo>
-                  <a:pt x="1766" y="679"/>
-                </a:lnTo>
-                <a:lnTo>
-                  <a:pt x="1155" y="1154"/>
-                </a:lnTo>
-                <a:lnTo>
-                  <a:pt x="679" y="1765"/>
-                </a:lnTo>
-                <a:lnTo>
-                  <a:pt x="272" y="2444"/>
-                </a:lnTo>
-                <a:lnTo>
-                  <a:pt x="69" y="3190"/>
-                </a:lnTo>
-                <a:lnTo>
-                  <a:pt x="1" y="3598"/>
-                </a:lnTo>
-                <a:lnTo>
-                  <a:pt x="1" y="4005"/>
-                </a:lnTo>
-                <a:lnTo>
-                  <a:pt x="1" y="91572"/>
-                </a:lnTo>
-                <a:lnTo>
-                  <a:pt x="1" y="91979"/>
-                </a:lnTo>
-                <a:lnTo>
-                  <a:pt x="69" y="92319"/>
-                </a:lnTo>
-                <a:lnTo>
-                  <a:pt x="272" y="93065"/>
-                </a:lnTo>
-                <a:lnTo>
-                  <a:pt x="679" y="93744"/>
-                </a:lnTo>
-                <a:lnTo>
-                  <a:pt x="1155" y="94355"/>
-                </a:lnTo>
-                <a:lnTo>
-                  <a:pt x="1766" y="94830"/>
-                </a:lnTo>
-                <a:lnTo>
-                  <a:pt x="2444" y="95238"/>
-                </a:lnTo>
-                <a:lnTo>
-                  <a:pt x="3191" y="95441"/>
-                </a:lnTo>
-                <a:lnTo>
-                  <a:pt x="3530" y="95509"/>
-                </a:lnTo>
-                <a:lnTo>
-                  <a:pt x="139904" y="95509"/>
-                </a:lnTo>
-                <a:lnTo>
-                  <a:pt x="140311" y="95441"/>
-                </a:lnTo>
-                <a:lnTo>
-                  <a:pt x="141058" y="95238"/>
-                </a:lnTo>
-                <a:lnTo>
-                  <a:pt x="141737" y="94830"/>
-                </a:lnTo>
-                <a:lnTo>
-                  <a:pt x="142280" y="94355"/>
-                </a:lnTo>
-                <a:lnTo>
-                  <a:pt x="142755" y="93744"/>
-                </a:lnTo>
-                <a:lnTo>
-                  <a:pt x="143162" y="93065"/>
-                </a:lnTo>
-                <a:lnTo>
-                  <a:pt x="143366" y="92319"/>
-                </a:lnTo>
-                <a:lnTo>
-                  <a:pt x="143434" y="91979"/>
-                </a:lnTo>
-                <a:lnTo>
-                  <a:pt x="143434" y="91572"/>
-                </a:lnTo>
-                <a:lnTo>
-                  <a:pt x="143434" y="4005"/>
-                </a:lnTo>
-                <a:lnTo>
-                  <a:pt x="143434" y="3598"/>
-                </a:lnTo>
-                <a:lnTo>
-                  <a:pt x="143366" y="3190"/>
-                </a:lnTo>
-                <a:lnTo>
-                  <a:pt x="143162" y="2444"/>
-                </a:lnTo>
-                <a:lnTo>
-                  <a:pt x="142755" y="1765"/>
-                </a:lnTo>
-                <a:lnTo>
-                  <a:pt x="142280" y="1154"/>
-                </a:lnTo>
-                <a:lnTo>
-                  <a:pt x="141737" y="679"/>
-                </a:lnTo>
-                <a:lnTo>
-                  <a:pt x="141058" y="339"/>
-                </a:lnTo>
-                <a:lnTo>
-                  <a:pt x="140311" y="68"/>
-                </a:lnTo>
-                <a:lnTo>
-                  <a:pt x="139904" y="0"/>
-                </a:lnTo>
-                <a:close/>
-                <a:moveTo>
-                  <a:pt x="55324" y="95713"/>
-                </a:moveTo>
-                <a:lnTo>
-                  <a:pt x="55052" y="98971"/>
-                </a:lnTo>
-                <a:lnTo>
-                  <a:pt x="54713" y="102297"/>
-                </a:lnTo>
-                <a:lnTo>
-                  <a:pt x="54374" y="105284"/>
-                </a:lnTo>
-                <a:lnTo>
-                  <a:pt x="53966" y="107388"/>
-                </a:lnTo>
-                <a:lnTo>
-                  <a:pt x="53763" y="108203"/>
-                </a:lnTo>
-                <a:lnTo>
-                  <a:pt x="53627" y="108746"/>
-                </a:lnTo>
-                <a:lnTo>
-                  <a:pt x="53423" y="109153"/>
-                </a:lnTo>
-                <a:lnTo>
-                  <a:pt x="53220" y="109357"/>
-                </a:lnTo>
-                <a:lnTo>
-                  <a:pt x="52677" y="109493"/>
-                </a:lnTo>
-                <a:lnTo>
-                  <a:pt x="51794" y="109696"/>
-                </a:lnTo>
-                <a:lnTo>
-                  <a:pt x="49690" y="110036"/>
-                </a:lnTo>
-                <a:lnTo>
-                  <a:pt x="48061" y="110307"/>
-                </a:lnTo>
-                <a:lnTo>
-                  <a:pt x="47450" y="110443"/>
-                </a:lnTo>
-                <a:lnTo>
-                  <a:pt x="47110" y="110511"/>
-                </a:lnTo>
-                <a:lnTo>
-                  <a:pt x="47042" y="110579"/>
-                </a:lnTo>
-                <a:lnTo>
-                  <a:pt x="47042" y="110783"/>
-                </a:lnTo>
-                <a:lnTo>
-                  <a:pt x="47110" y="110850"/>
-                </a:lnTo>
-                <a:lnTo>
-                  <a:pt x="47585" y="110918"/>
-                </a:lnTo>
-                <a:lnTo>
-                  <a:pt x="48400" y="110986"/>
-                </a:lnTo>
-                <a:lnTo>
-                  <a:pt x="51387" y="111054"/>
-                </a:lnTo>
-                <a:lnTo>
-                  <a:pt x="56071" y="111122"/>
-                </a:lnTo>
-                <a:lnTo>
-                  <a:pt x="87092" y="111122"/>
-                </a:lnTo>
-                <a:lnTo>
-                  <a:pt x="91708" y="111054"/>
-                </a:lnTo>
-                <a:lnTo>
-                  <a:pt x="94695" y="110986"/>
-                </a:lnTo>
-                <a:lnTo>
-                  <a:pt x="95578" y="110918"/>
-                </a:lnTo>
-                <a:lnTo>
-                  <a:pt x="96053" y="110850"/>
-                </a:lnTo>
-                <a:lnTo>
-                  <a:pt x="96121" y="110783"/>
-                </a:lnTo>
-                <a:lnTo>
-                  <a:pt x="96121" y="110579"/>
-                </a:lnTo>
-                <a:lnTo>
-                  <a:pt x="96053" y="110511"/>
-                </a:lnTo>
-                <a:lnTo>
-                  <a:pt x="95713" y="110443"/>
-                </a:lnTo>
-                <a:lnTo>
-                  <a:pt x="95102" y="110307"/>
-                </a:lnTo>
-                <a:lnTo>
-                  <a:pt x="93473" y="110036"/>
-                </a:lnTo>
-                <a:lnTo>
-                  <a:pt x="91369" y="109696"/>
-                </a:lnTo>
-                <a:lnTo>
-                  <a:pt x="90487" y="109493"/>
-                </a:lnTo>
-                <a:lnTo>
-                  <a:pt x="89943" y="109357"/>
-                </a:lnTo>
-                <a:lnTo>
-                  <a:pt x="89740" y="109153"/>
-                </a:lnTo>
-                <a:lnTo>
-                  <a:pt x="89536" y="108746"/>
-                </a:lnTo>
-                <a:lnTo>
-                  <a:pt x="89333" y="108203"/>
-                </a:lnTo>
-                <a:lnTo>
-                  <a:pt x="89197" y="107388"/>
-                </a:lnTo>
-                <a:lnTo>
-                  <a:pt x="88789" y="105284"/>
-                </a:lnTo>
-                <a:lnTo>
-                  <a:pt x="88382" y="102297"/>
-                </a:lnTo>
-                <a:lnTo>
-                  <a:pt x="88043" y="98971"/>
-                </a:lnTo>
-                <a:lnTo>
-                  <a:pt x="87839" y="95713"/>
-                </a:lnTo>
-                <a:close/>
-                <a:moveTo>
-                  <a:pt x="47450" y="111054"/>
-                </a:moveTo>
-                <a:lnTo>
-                  <a:pt x="47450" y="111122"/>
-                </a:lnTo>
-                <a:lnTo>
-                  <a:pt x="47450" y="111393"/>
-                </a:lnTo>
-                <a:lnTo>
-                  <a:pt x="47518" y="111461"/>
-                </a:lnTo>
-                <a:lnTo>
-                  <a:pt x="48807" y="111529"/>
-                </a:lnTo>
-                <a:lnTo>
-                  <a:pt x="52473" y="111597"/>
-                </a:lnTo>
-                <a:lnTo>
-                  <a:pt x="62384" y="111665"/>
-                </a:lnTo>
-                <a:lnTo>
-                  <a:pt x="80779" y="111665"/>
-                </a:lnTo>
-                <a:lnTo>
-                  <a:pt x="90622" y="111597"/>
-                </a:lnTo>
-                <a:lnTo>
-                  <a:pt x="94356" y="111529"/>
-                </a:lnTo>
-                <a:lnTo>
-                  <a:pt x="95646" y="111461"/>
-                </a:lnTo>
-                <a:lnTo>
-                  <a:pt x="95713" y="111393"/>
-                </a:lnTo>
-                <a:lnTo>
-                  <a:pt x="95713" y="111122"/>
-                </a:lnTo>
-                <a:lnTo>
-                  <a:pt x="95646" y="111054"/>
-                </a:lnTo>
-                <a:lnTo>
-                  <a:pt x="94084" y="111122"/>
-                </a:lnTo>
-                <a:lnTo>
-                  <a:pt x="91233" y="111190"/>
-                </a:lnTo>
-                <a:lnTo>
-                  <a:pt x="80847" y="111258"/>
-                </a:lnTo>
-                <a:lnTo>
-                  <a:pt x="62316" y="111258"/>
-                </a:lnTo>
-                <a:lnTo>
-                  <a:pt x="51930" y="111190"/>
-                </a:lnTo>
-                <a:lnTo>
-                  <a:pt x="49079" y="111122"/>
-                </a:lnTo>
-                <a:lnTo>
-                  <a:pt x="47518" y="111054"/>
-                </a:lnTo>
-                <a:close/>
-              </a:path>
-            </a:pathLst>
-          </a:custGeom>
-          <a:solidFill>
-            <a:srgbClr val="000000"/>
-          </a:solidFill>
-          <a:ln w="9525" cap="flat" cmpd="sng">
-            <a:solidFill>
-              <a:srgbClr val="A5B0FE"/>
-            </a:solidFill>
-            <a:prstDash val="solid"/>
-            <a:round/>
-            <a:headEnd type="none" w="sm" len="sm"/>
-            <a:tailEnd type="none" w="sm" len="sm"/>
-          </a:ln>
-        </p:spPr>
-        <p:txBody>
-          <a:bodyPr spcFirstLastPara="1" wrap="square" lIns="91425" tIns="91425" rIns="91425" bIns="91425" anchor="ctr" anchorCtr="0">
-            <a:noAutofit/>
-          </a:bodyPr>
-          <a:lstStyle/>
-          <a:p>
-            <a:pPr marL="0" lvl="0" indent="0" algn="l" rtl="0">
-              <a:spcBef>
-                <a:spcPts val="0"/>
-              </a:spcBef>
-              <a:spcAft>
-                <a:spcPts val="0"/>
-              </a:spcAft>
-              <a:buNone/>
-            </a:pPr>
-            <a:endParaRPr/>
-          </a:p>
-        </p:txBody>
-      </p:sp>
-      <p:sp>
-        <p:nvSpPr>
-          <p:cNvPr id="476" name="Google Shape;476;p35"/>
-          <p:cNvSpPr/>
-          <p:nvPr/>
-        </p:nvSpPr>
-        <p:spPr>
-          <a:xfrm>
-            <a:off x="3894425" y="923990"/>
-            <a:ext cx="4405500" cy="2813100"/>
-          </a:xfrm>
-          <a:prstGeom prst="rect">
-            <a:avLst/>
-          </a:prstGeom>
-          <a:noFill/>
-          <a:ln>
-            <a:noFill/>
-          </a:ln>
-        </p:spPr>
-        <p:txBody>
-          <a:bodyPr spcFirstLastPara="1" wrap="square" lIns="91425" tIns="91425" rIns="91425" bIns="91425" anchor="ctr" anchorCtr="0">
-            <a:noAutofit/>
-          </a:bodyPr>
-          <a:lstStyle/>
-          <a:p>
-            <a:pPr marL="0" lvl="0" indent="0" algn="ctr" rtl="0">
-              <a:spcBef>
-                <a:spcPts val="0"/>
-              </a:spcBef>
-              <a:spcAft>
-                <a:spcPts val="0"/>
-              </a:spcAft>
-              <a:buNone/>
-            </a:pPr>
-            <a:r>
-              <a:rPr lang="en" sz="1000" dirty="0">
-                <a:solidFill>
-                  <a:srgbClr val="FFFFFF"/>
-                </a:solidFill>
-                <a:latin typeface="Barlow Light"/>
-                <a:ea typeface="Barlow Light"/>
-                <a:cs typeface="Barlow Light"/>
-                <a:sym typeface="Barlow Light"/>
-              </a:rPr>
-              <a:t>Place your screenshot here</a:t>
-            </a:r>
-            <a:endParaRPr sz="1000" dirty="0">
-              <a:solidFill>
-                <a:srgbClr val="999999"/>
-              </a:solidFill>
-            </a:endParaRPr>
-          </a:p>
-        </p:txBody>
-      </p:sp>
-      <p:sp>
-        <p:nvSpPr>
-          <p:cNvPr id="477" name="Google Shape;477;p35"/>
-          <p:cNvSpPr txBox="1">
-            <a:spLocks noGrp="1"/>
-          </p:cNvSpPr>
-          <p:nvPr>
-            <p:ph type="sldNum" idx="12"/>
-          </p:nvPr>
-        </p:nvSpPr>
-        <p:spPr>
-          <a:xfrm>
-            <a:off x="8808000" y="2208175"/>
-            <a:ext cx="336000" cy="727200"/>
-          </a:xfrm>
-          <a:prstGeom prst="rect">
-            <a:avLst/>
-          </a:prstGeom>
-        </p:spPr>
-        <p:txBody>
-          <a:bodyPr spcFirstLastPara="1" wrap="square" lIns="91425" tIns="91425" rIns="91425" bIns="91425" anchor="ctr" anchorCtr="0">
-            <a:noAutofit/>
-          </a:bodyPr>
-          <a:lstStyle/>
-          <a:p>
-            <a:pPr marL="0" lvl="0" indent="0" algn="ctr" rtl="0">
-              <a:spcBef>
-                <a:spcPts val="0"/>
-              </a:spcBef>
-              <a:spcAft>
-                <a:spcPts val="0"/>
-              </a:spcAft>
-              <a:buNone/>
-            </a:pPr>
-            <a:fld id="{00000000-1234-1234-1234-123412341234}" type="slidenum">
-              <a:rPr lang="en"/>
-              <a:t>18</a:t>
-            </a:fld>
-            <a:endParaRPr/>
-          </a:p>
-        </p:txBody>
-      </p:sp>
-      <p:sp>
-        <p:nvSpPr>
-          <p:cNvPr id="478" name="Google Shape;478;p35"/>
-          <p:cNvSpPr txBox="1">
-            <a:spLocks noGrp="1"/>
-          </p:cNvSpPr>
-          <p:nvPr>
-            <p:ph type="body" idx="4294967295"/>
-          </p:nvPr>
-        </p:nvSpPr>
-        <p:spPr>
-          <a:xfrm>
-            <a:off x="485850" y="671150"/>
-            <a:ext cx="2097900" cy="3742800"/>
-          </a:xfrm>
-          <a:prstGeom prst="rect">
-            <a:avLst/>
-          </a:prstGeom>
-        </p:spPr>
-        <p:txBody>
-          <a:bodyPr spcFirstLastPara="1" wrap="square" lIns="91425" tIns="91425" rIns="91425" bIns="91425" anchor="t" anchorCtr="0">
-            <a:noAutofit/>
-          </a:bodyPr>
-          <a:lstStyle/>
-          <a:p>
-            <a:pPr marL="0" lvl="0" indent="0">
-              <a:buNone/>
-            </a:pPr>
-            <a:r>
-              <a:rPr lang="en-ID" dirty="0" err="1">
-                <a:solidFill>
-                  <a:srgbClr val="A5B0FE"/>
-                </a:solidFill>
-                <a:latin typeface="Miriam Libre"/>
-                <a:ea typeface="Miriam Libre"/>
-                <a:cs typeface="Miriam Libre"/>
-                <a:sym typeface="Miriam Libre"/>
-              </a:rPr>
-              <a:t>Desain</a:t>
-            </a:r>
-            <a:r>
-              <a:rPr lang="en-ID" dirty="0">
-                <a:solidFill>
-                  <a:srgbClr val="A5B0FE"/>
-                </a:solidFill>
-                <a:latin typeface="Miriam Libre"/>
-                <a:ea typeface="Miriam Libre"/>
-                <a:cs typeface="Miriam Libre"/>
-                <a:sym typeface="Miriam Libre"/>
-              </a:rPr>
-              <a:t> </a:t>
-            </a:r>
-            <a:r>
-              <a:rPr lang="en-ID" dirty="0" err="1">
-                <a:solidFill>
-                  <a:srgbClr val="A5B0FE"/>
-                </a:solidFill>
-                <a:latin typeface="Miriam Libre"/>
-                <a:ea typeface="Miriam Libre"/>
-                <a:cs typeface="Miriam Libre"/>
-                <a:sym typeface="Miriam Libre"/>
-              </a:rPr>
-              <a:t>Mockup</a:t>
-            </a:r>
-            <a:endParaRPr lang="en-ID" dirty="0">
-              <a:solidFill>
-                <a:srgbClr val="A5B0FE"/>
-              </a:solidFill>
-              <a:latin typeface="Miriam Libre"/>
-              <a:ea typeface="Miriam Libre"/>
-              <a:cs typeface="Miriam Libre"/>
-              <a:sym typeface="Miriam Libre"/>
-            </a:endParaRPr>
-          </a:p>
-          <a:p>
-            <a:pPr marL="0" lvl="0" indent="0">
-              <a:buNone/>
-            </a:pPr>
-            <a:r>
-              <a:rPr lang="en-ID" dirty="0">
-                <a:solidFill>
-                  <a:srgbClr val="A5B0FE"/>
-                </a:solidFill>
-                <a:latin typeface="Miriam Libre"/>
-                <a:ea typeface="Miriam Libre"/>
-                <a:cs typeface="Miriam Libre"/>
-                <a:sym typeface="Miriam Libre"/>
-              </a:rPr>
-              <a:t>Admin</a:t>
-            </a:r>
-            <a:endParaRPr lang="en-ID" sz="2000" dirty="0">
-              <a:solidFill>
-                <a:srgbClr val="A5B0FE"/>
-              </a:solidFill>
-              <a:latin typeface="Miriam Libre"/>
-              <a:ea typeface="Miriam Libre"/>
-              <a:cs typeface="Miriam Libre"/>
-              <a:sym typeface="Miriam Libre"/>
-            </a:endParaRPr>
-          </a:p>
-          <a:p>
-            <a:pPr marL="342900" indent="-342900"/>
-            <a:endParaRPr lang="en-ID" sz="2000" dirty="0">
-              <a:solidFill>
-                <a:srgbClr val="A5B0FE"/>
-              </a:solidFill>
-              <a:latin typeface="Miriam Libre"/>
-              <a:ea typeface="Miriam Libre"/>
-              <a:cs typeface="Miriam Libre"/>
-              <a:sym typeface="Miriam Libre"/>
-            </a:endParaRPr>
-          </a:p>
-        </p:txBody>
-      </p:sp>
-      <p:pic>
-        <p:nvPicPr>
-          <p:cNvPr id="2" name="Picture 1">
-            <a:extLst>
-              <a:ext uri="{FF2B5EF4-FFF2-40B4-BE49-F238E27FC236}">
-                <a16:creationId xmlns:a16="http://schemas.microsoft.com/office/drawing/2014/main" id="{51B9E4C6-E407-475A-BE65-6C10206E897D}"/>
-              </a:ext>
-            </a:extLst>
-          </p:cNvPr>
-          <p:cNvPicPr>
-            <a:picLocks noChangeAspect="1"/>
-          </p:cNvPicPr>
-          <p:nvPr/>
-        </p:nvPicPr>
-        <p:blipFill>
-          <a:blip r:embed="rId3"/>
-          <a:stretch>
-            <a:fillRect/>
-          </a:stretch>
-        </p:blipFill>
-        <p:spPr>
-          <a:xfrm>
-            <a:off x="3894425" y="929915"/>
-            <a:ext cx="4405500" cy="2807175"/>
-          </a:xfrm>
-          <a:prstGeom prst="rect">
-            <a:avLst/>
-          </a:prstGeom>
-        </p:spPr>
-      </p:pic>
-    </p:spTree>
-    <p:extLst>
-      <p:ext uri="{BB962C8B-B14F-4D97-AF65-F5344CB8AC3E}">
-        <p14:creationId xmlns:p14="http://schemas.microsoft.com/office/powerpoint/2010/main" val="3355312715"/>
-      </p:ext>
-    </p:extLst>
-  </p:cSld>
-  <p:clrMapOvr>
-    <a:masterClrMapping/>
-  </p:clrMapOvr>
-</p:sld>
-</file>
-
-<file path=ppt/slides/slide19.xml><?xml version="1.0" encoding="utf-8"?>
+<file path=ppt/slides/slide17.xml><?xml version="1.0" encoding="utf-8"?>
 <p:sld xmlns:a="http://schemas.openxmlformats.org/drawingml/2006/main" xmlns:r="http://schemas.openxmlformats.org/officeDocument/2006/relationships" xmlns:p="http://schemas.openxmlformats.org/presentationml/2006/main">
   <p:cSld>
     <p:bg>
@@ -22187,7 +21485,7 @@
             </a:pPr>
             <a:fld id="{00000000-1234-1234-1234-123412341234}" type="slidenum">
               <a:rPr lang="en"/>
-              <a:t>19</a:t>
+              <a:t>17</a:t>
             </a:fld>
             <a:endParaRPr/>
           </a:p>
